--- a/UTILS/Presentation.pptx
+++ b/UTILS/Presentation.pptx
@@ -3159,7 +3159,7 @@
           <a:noFill/>
           <a:extLst>
             <a:ext uri="{909E8E84-426E-40dd-AFC4-6F175D3DCCD1}">
-              <a14:hiddenFill xmlns:a14="http://schemas.microsoft.com/office/drawing/2010/main" xmlns="">
+              <a14:hiddenFill xmlns="" xmlns:a14="http://schemas.microsoft.com/office/drawing/2010/main">
                 <a:solidFill>
                   <a:srgbClr val="FFFFFF"/>
                 </a:solidFill>
@@ -3218,7 +3218,7 @@
             </a:ln>
             <a:extLst>
               <a:ext uri="{91240B29-F687-4f45-9708-019B960494DF}">
-                <a14:hiddenLine xmlns:a14="http://schemas.microsoft.com/office/drawing/2010/main" xmlns="" w="9525">
+                <a14:hiddenLine xmlns="" xmlns:a14="http://schemas.microsoft.com/office/drawing/2010/main" w="9525">
                   <a:solidFill>
                     <a:srgbClr val="000000"/>
                   </a:solidFill>
@@ -3308,7 +3308,7 @@
             </a:ln>
             <a:extLst>
               <a:ext uri="{91240B29-F687-4f45-9708-019B960494DF}">
-                <a14:hiddenLine xmlns:a14="http://schemas.microsoft.com/office/drawing/2010/main" xmlns="" w="9525">
+                <a14:hiddenLine xmlns="" xmlns:a14="http://schemas.microsoft.com/office/drawing/2010/main" w="9525">
                   <a:solidFill>
                     <a:srgbClr val="000000"/>
                   </a:solidFill>
@@ -3398,7 +3398,7 @@
             </a:ln>
             <a:extLst>
               <a:ext uri="{91240B29-F687-4f45-9708-019B960494DF}">
-                <a14:hiddenLine xmlns:a14="http://schemas.microsoft.com/office/drawing/2010/main" xmlns="" w="9525">
+                <a14:hiddenLine xmlns="" xmlns:a14="http://schemas.microsoft.com/office/drawing/2010/main" w="9525">
                   <a:solidFill>
                     <a:srgbClr val="000000"/>
                   </a:solidFill>
@@ -3432,7 +3432,7 @@
             </a:ln>
             <a:extLst>
               <a:ext uri="{91240B29-F687-4f45-9708-019B960494DF}">
-                <a14:hiddenLine xmlns:a14="http://schemas.microsoft.com/office/drawing/2010/main" xmlns="" w="9525">
+                <a14:hiddenLine xmlns="" xmlns:a14="http://schemas.microsoft.com/office/drawing/2010/main" w="9525">
                   <a:solidFill>
                     <a:srgbClr val="000000"/>
                   </a:solidFill>
@@ -3522,7 +3522,7 @@
             </a:ln>
             <a:extLst>
               <a:ext uri="{91240B29-F687-4f45-9708-019B960494DF}">
-                <a14:hiddenLine xmlns:a14="http://schemas.microsoft.com/office/drawing/2010/main" xmlns="" w="9525">
+                <a14:hiddenLine xmlns="" xmlns:a14="http://schemas.microsoft.com/office/drawing/2010/main" w="9525">
                   <a:solidFill>
                     <a:srgbClr val="000000"/>
                   </a:solidFill>
@@ -3584,7 +3584,7 @@
             </a:ln>
             <a:extLst>
               <a:ext uri="{91240B29-F687-4f45-9708-019B960494DF}">
-                <a14:hiddenLine xmlns:a14="http://schemas.microsoft.com/office/drawing/2010/main" xmlns="" w="9525">
+                <a14:hiddenLine xmlns="" xmlns:a14="http://schemas.microsoft.com/office/drawing/2010/main" w="9525">
                   <a:solidFill>
                     <a:srgbClr val="000000"/>
                   </a:solidFill>
@@ -3646,7 +3646,7 @@
             </a:ln>
             <a:extLst>
               <a:ext uri="{91240B29-F687-4f45-9708-019B960494DF}">
-                <a14:hiddenLine xmlns:a14="http://schemas.microsoft.com/office/drawing/2010/main" xmlns="" w="9525">
+                <a14:hiddenLine xmlns="" xmlns:a14="http://schemas.microsoft.com/office/drawing/2010/main" w="9525">
                   <a:solidFill>
                     <a:srgbClr val="000000"/>
                   </a:solidFill>
@@ -3736,7 +3736,7 @@
             </a:ln>
             <a:extLst>
               <a:ext uri="{91240B29-F687-4f45-9708-019B960494DF}">
-                <a14:hiddenLine xmlns:a14="http://schemas.microsoft.com/office/drawing/2010/main" xmlns="" w="9525">
+                <a14:hiddenLine xmlns="" xmlns:a14="http://schemas.microsoft.com/office/drawing/2010/main" w="9525">
                   <a:solidFill>
                     <a:srgbClr val="000000"/>
                   </a:solidFill>
@@ -3798,7 +3798,7 @@
             </a:ln>
             <a:extLst>
               <a:ext uri="{91240B29-F687-4f45-9708-019B960494DF}">
-                <a14:hiddenLine xmlns:a14="http://schemas.microsoft.com/office/drawing/2010/main" xmlns="" w="9525">
+                <a14:hiddenLine xmlns="" xmlns:a14="http://schemas.microsoft.com/office/drawing/2010/main" w="9525">
                   <a:solidFill>
                     <a:srgbClr val="000000"/>
                   </a:solidFill>
@@ -3860,7 +3860,7 @@
             </a:ln>
             <a:extLst>
               <a:ext uri="{91240B29-F687-4f45-9708-019B960494DF}">
-                <a14:hiddenLine xmlns:a14="http://schemas.microsoft.com/office/drawing/2010/main" xmlns="" w="9525">
+                <a14:hiddenLine xmlns="" xmlns:a14="http://schemas.microsoft.com/office/drawing/2010/main" w="9525">
                   <a:solidFill>
                     <a:srgbClr val="000000"/>
                   </a:solidFill>
@@ -3950,7 +3950,7 @@
             </a:ln>
             <a:extLst>
               <a:ext uri="{91240B29-F687-4f45-9708-019B960494DF}">
-                <a14:hiddenLine xmlns:a14="http://schemas.microsoft.com/office/drawing/2010/main" xmlns="" w="9525">
+                <a14:hiddenLine xmlns="" xmlns:a14="http://schemas.microsoft.com/office/drawing/2010/main" w="9525">
                   <a:solidFill>
                     <a:srgbClr val="000000"/>
                   </a:solidFill>
@@ -4040,7 +4040,7 @@
             </a:ln>
             <a:extLst>
               <a:ext uri="{91240B29-F687-4f45-9708-019B960494DF}">
-                <a14:hiddenLine xmlns:a14="http://schemas.microsoft.com/office/drawing/2010/main" xmlns="" w="9525">
+                <a14:hiddenLine xmlns="" xmlns:a14="http://schemas.microsoft.com/office/drawing/2010/main" w="9525">
                   <a:solidFill>
                     <a:srgbClr val="000000"/>
                   </a:solidFill>
@@ -4102,7 +4102,7 @@
             </a:ln>
             <a:extLst>
               <a:ext uri="{91240B29-F687-4f45-9708-019B960494DF}">
-                <a14:hiddenLine xmlns:a14="http://schemas.microsoft.com/office/drawing/2010/main" xmlns="" w="9525">
+                <a14:hiddenLine xmlns="" xmlns:a14="http://schemas.microsoft.com/office/drawing/2010/main" w="9525">
                   <a:solidFill>
                     <a:srgbClr val="000000"/>
                   </a:solidFill>
@@ -4212,7 +4212,7 @@
             </a:ln>
             <a:extLst>
               <a:ext uri="{91240B29-F687-4f45-9708-019B960494DF}">
-                <a14:hiddenLine xmlns:a14="http://schemas.microsoft.com/office/drawing/2010/main" xmlns="" w="9525">
+                <a14:hiddenLine xmlns="" xmlns:a14="http://schemas.microsoft.com/office/drawing/2010/main" w="9525">
                   <a:solidFill>
                     <a:srgbClr val="000000"/>
                   </a:solidFill>
@@ -4274,7 +4274,7 @@
             </a:ln>
             <a:extLst>
               <a:ext uri="{91240B29-F687-4f45-9708-019B960494DF}">
-                <a14:hiddenLine xmlns:a14="http://schemas.microsoft.com/office/drawing/2010/main" xmlns="" w="9525">
+                <a14:hiddenLine xmlns="" xmlns:a14="http://schemas.microsoft.com/office/drawing/2010/main" w="9525">
                   <a:solidFill>
                     <a:srgbClr val="000000"/>
                   </a:solidFill>
@@ -4364,7 +4364,7 @@
             </a:ln>
             <a:extLst>
               <a:ext uri="{91240B29-F687-4f45-9708-019B960494DF}">
-                <a14:hiddenLine xmlns:a14="http://schemas.microsoft.com/office/drawing/2010/main" xmlns="" w="9525">
+                <a14:hiddenLine xmlns="" xmlns:a14="http://schemas.microsoft.com/office/drawing/2010/main" w="9525">
                   <a:solidFill>
                     <a:srgbClr val="000000"/>
                   </a:solidFill>
@@ -4454,7 +4454,7 @@
             </a:ln>
             <a:extLst>
               <a:ext uri="{91240B29-F687-4f45-9708-019B960494DF}">
-                <a14:hiddenLine xmlns:a14="http://schemas.microsoft.com/office/drawing/2010/main" xmlns="" w="9525">
+                <a14:hiddenLine xmlns="" xmlns:a14="http://schemas.microsoft.com/office/drawing/2010/main" w="9525">
                   <a:solidFill>
                     <a:srgbClr val="000000"/>
                   </a:solidFill>
@@ -4516,7 +4516,7 @@
             </a:ln>
             <a:extLst>
               <a:ext uri="{91240B29-F687-4f45-9708-019B960494DF}">
-                <a14:hiddenLine xmlns:a14="http://schemas.microsoft.com/office/drawing/2010/main" xmlns="" w="9525">
+                <a14:hiddenLine xmlns="" xmlns:a14="http://schemas.microsoft.com/office/drawing/2010/main" w="9525">
                   <a:solidFill>
                     <a:srgbClr val="000000"/>
                   </a:solidFill>
@@ -4606,7 +4606,7 @@
             </a:ln>
             <a:extLst>
               <a:ext uri="{91240B29-F687-4f45-9708-019B960494DF}">
-                <a14:hiddenLine xmlns:a14="http://schemas.microsoft.com/office/drawing/2010/main" xmlns="" w="9525">
+                <a14:hiddenLine xmlns="" xmlns:a14="http://schemas.microsoft.com/office/drawing/2010/main" w="9525">
                   <a:solidFill>
                     <a:srgbClr val="000000"/>
                   </a:solidFill>
@@ -4696,7 +4696,7 @@
             </a:ln>
             <a:extLst>
               <a:ext uri="{91240B29-F687-4f45-9708-019B960494DF}">
-                <a14:hiddenLine xmlns:a14="http://schemas.microsoft.com/office/drawing/2010/main" xmlns="" w="9525">
+                <a14:hiddenLine xmlns="" xmlns:a14="http://schemas.microsoft.com/office/drawing/2010/main" w="9525">
                   <a:solidFill>
                     <a:srgbClr val="000000"/>
                   </a:solidFill>
@@ -4752,7 +4752,7 @@
             </a:ln>
             <a:extLst>
               <a:ext uri="{91240B29-F687-4f45-9708-019B960494DF}">
-                <a14:hiddenLine xmlns:a14="http://schemas.microsoft.com/office/drawing/2010/main" xmlns="" w="9525">
+                <a14:hiddenLine xmlns="" xmlns:a14="http://schemas.microsoft.com/office/drawing/2010/main" w="9525">
                   <a:solidFill>
                     <a:srgbClr val="000000"/>
                   </a:solidFill>
@@ -4842,7 +4842,7 @@
             </a:ln>
             <a:extLst>
               <a:ext uri="{91240B29-F687-4f45-9708-019B960494DF}">
-                <a14:hiddenLine xmlns:a14="http://schemas.microsoft.com/office/drawing/2010/main" xmlns="" w="9525">
+                <a14:hiddenLine xmlns="" xmlns:a14="http://schemas.microsoft.com/office/drawing/2010/main" w="9525">
                   <a:solidFill>
                     <a:srgbClr val="000000"/>
                   </a:solidFill>
@@ -4898,7 +4898,7 @@
             </a:ln>
             <a:extLst>
               <a:ext uri="{91240B29-F687-4f45-9708-019B960494DF}">
-                <a14:hiddenLine xmlns:a14="http://schemas.microsoft.com/office/drawing/2010/main" xmlns="" w="9525">
+                <a14:hiddenLine xmlns="" xmlns:a14="http://schemas.microsoft.com/office/drawing/2010/main" w="9525">
                   <a:solidFill>
                     <a:srgbClr val="000000"/>
                   </a:solidFill>
@@ -4988,7 +4988,7 @@
             </a:ln>
             <a:extLst>
               <a:ext uri="{91240B29-F687-4f45-9708-019B960494DF}">
-                <a14:hiddenLine xmlns:a14="http://schemas.microsoft.com/office/drawing/2010/main" xmlns="" w="9525">
+                <a14:hiddenLine xmlns="" xmlns:a14="http://schemas.microsoft.com/office/drawing/2010/main" w="9525">
                   <a:solidFill>
                     <a:srgbClr val="000000"/>
                   </a:solidFill>
@@ -5056,7 +5056,7 @@
             </a:ln>
             <a:extLst>
               <a:ext uri="{91240B29-F687-4f45-9708-019B960494DF}">
-                <a14:hiddenLine xmlns:a14="http://schemas.microsoft.com/office/drawing/2010/main" xmlns="" w="9525">
+                <a14:hiddenLine xmlns="" xmlns:a14="http://schemas.microsoft.com/office/drawing/2010/main" w="9525">
                   <a:solidFill>
                     <a:srgbClr val="000000"/>
                   </a:solidFill>
@@ -5146,7 +5146,7 @@
             </a:ln>
             <a:extLst>
               <a:ext uri="{91240B29-F687-4f45-9708-019B960494DF}">
-                <a14:hiddenLine xmlns:a14="http://schemas.microsoft.com/office/drawing/2010/main" xmlns="" w="9525">
+                <a14:hiddenLine xmlns="" xmlns:a14="http://schemas.microsoft.com/office/drawing/2010/main" w="9525">
                   <a:solidFill>
                     <a:srgbClr val="000000"/>
                   </a:solidFill>
@@ -5214,7 +5214,7 @@
             </a:ln>
             <a:extLst>
               <a:ext uri="{91240B29-F687-4f45-9708-019B960494DF}">
-                <a14:hiddenLine xmlns:a14="http://schemas.microsoft.com/office/drawing/2010/main" xmlns="" w="9525">
+                <a14:hiddenLine xmlns="" xmlns:a14="http://schemas.microsoft.com/office/drawing/2010/main" w="9525">
                   <a:solidFill>
                     <a:srgbClr val="000000"/>
                   </a:solidFill>
@@ -5304,7 +5304,7 @@
             </a:ln>
             <a:extLst>
               <a:ext uri="{91240B29-F687-4f45-9708-019B960494DF}">
-                <a14:hiddenLine xmlns:a14="http://schemas.microsoft.com/office/drawing/2010/main" xmlns="" w="9525">
+                <a14:hiddenLine xmlns="" xmlns:a14="http://schemas.microsoft.com/office/drawing/2010/main" w="9525">
                   <a:solidFill>
                     <a:srgbClr val="000000"/>
                   </a:solidFill>
@@ -5338,7 +5338,7 @@
             </a:ln>
             <a:extLst>
               <a:ext uri="{91240B29-F687-4f45-9708-019B960494DF}">
-                <a14:hiddenLine xmlns:a14="http://schemas.microsoft.com/office/drawing/2010/main" xmlns="" w="9525">
+                <a14:hiddenLine xmlns="" xmlns:a14="http://schemas.microsoft.com/office/drawing/2010/main" w="9525">
                   <a:solidFill>
                     <a:srgbClr val="000000"/>
                   </a:solidFill>
@@ -5428,7 +5428,7 @@
             </a:ln>
             <a:extLst>
               <a:ext uri="{91240B29-F687-4f45-9708-019B960494DF}">
-                <a14:hiddenLine xmlns:a14="http://schemas.microsoft.com/office/drawing/2010/main" xmlns="" w="9525">
+                <a14:hiddenLine xmlns="" xmlns:a14="http://schemas.microsoft.com/office/drawing/2010/main" w="9525">
                   <a:solidFill>
                     <a:srgbClr val="000000"/>
                   </a:solidFill>
@@ -5490,7 +5490,7 @@
             </a:ln>
             <a:extLst>
               <a:ext uri="{91240B29-F687-4f45-9708-019B960494DF}">
-                <a14:hiddenLine xmlns:a14="http://schemas.microsoft.com/office/drawing/2010/main" xmlns="" w="9525">
+                <a14:hiddenLine xmlns="" xmlns:a14="http://schemas.microsoft.com/office/drawing/2010/main" w="9525">
                   <a:solidFill>
                     <a:srgbClr val="000000"/>
                   </a:solidFill>
@@ -5552,7 +5552,7 @@
             </a:ln>
             <a:extLst>
               <a:ext uri="{91240B29-F687-4f45-9708-019B960494DF}">
-                <a14:hiddenLine xmlns:a14="http://schemas.microsoft.com/office/drawing/2010/main" xmlns="" w="9525">
+                <a14:hiddenLine xmlns="" xmlns:a14="http://schemas.microsoft.com/office/drawing/2010/main" w="9525">
                   <a:solidFill>
                     <a:srgbClr val="000000"/>
                   </a:solidFill>
@@ -5642,7 +5642,7 @@
             </a:ln>
             <a:extLst>
               <a:ext uri="{91240B29-F687-4f45-9708-019B960494DF}">
-                <a14:hiddenLine xmlns:a14="http://schemas.microsoft.com/office/drawing/2010/main" xmlns="" w="9525">
+                <a14:hiddenLine xmlns="" xmlns:a14="http://schemas.microsoft.com/office/drawing/2010/main" w="9525">
                   <a:solidFill>
                     <a:srgbClr val="000000"/>
                   </a:solidFill>
@@ -5710,7 +5710,7 @@
             </a:ln>
             <a:extLst>
               <a:ext uri="{91240B29-F687-4f45-9708-019B960494DF}">
-                <a14:hiddenLine xmlns:a14="http://schemas.microsoft.com/office/drawing/2010/main" xmlns="" w="9525">
+                <a14:hiddenLine xmlns="" xmlns:a14="http://schemas.microsoft.com/office/drawing/2010/main" w="9525">
                   <a:solidFill>
                     <a:srgbClr val="000000"/>
                   </a:solidFill>
@@ -5772,7 +5772,7 @@
             </a:ln>
             <a:extLst>
               <a:ext uri="{91240B29-F687-4f45-9708-019B960494DF}">
-                <a14:hiddenLine xmlns:a14="http://schemas.microsoft.com/office/drawing/2010/main" xmlns="" w="9525">
+                <a14:hiddenLine xmlns="" xmlns:a14="http://schemas.microsoft.com/office/drawing/2010/main" w="9525">
                   <a:solidFill>
                     <a:srgbClr val="000000"/>
                   </a:solidFill>
@@ -5862,7 +5862,7 @@
             </a:ln>
             <a:extLst>
               <a:ext uri="{91240B29-F687-4f45-9708-019B960494DF}">
-                <a14:hiddenLine xmlns:a14="http://schemas.microsoft.com/office/drawing/2010/main" xmlns="" w="9525">
+                <a14:hiddenLine xmlns="" xmlns:a14="http://schemas.microsoft.com/office/drawing/2010/main" w="9525">
                   <a:solidFill>
                     <a:srgbClr val="000000"/>
                   </a:solidFill>
@@ -5924,7 +5924,7 @@
             </a:ln>
             <a:extLst>
               <a:ext uri="{91240B29-F687-4f45-9708-019B960494DF}">
-                <a14:hiddenLine xmlns:a14="http://schemas.microsoft.com/office/drawing/2010/main" xmlns="" w="9525">
+                <a14:hiddenLine xmlns="" xmlns:a14="http://schemas.microsoft.com/office/drawing/2010/main" w="9525">
                   <a:solidFill>
                     <a:srgbClr val="000000"/>
                   </a:solidFill>
@@ -6014,7 +6014,7 @@
             </a:ln>
             <a:extLst>
               <a:ext uri="{91240B29-F687-4f45-9708-019B960494DF}">
-                <a14:hiddenLine xmlns:a14="http://schemas.microsoft.com/office/drawing/2010/main" xmlns="" w="9525">
+                <a14:hiddenLine xmlns="" xmlns:a14="http://schemas.microsoft.com/office/drawing/2010/main" w="9525">
                   <a:solidFill>
                     <a:srgbClr val="000000"/>
                   </a:solidFill>
@@ -6076,7 +6076,7 @@
             </a:ln>
             <a:extLst>
               <a:ext uri="{91240B29-F687-4f45-9708-019B960494DF}">
-                <a14:hiddenLine xmlns:a14="http://schemas.microsoft.com/office/drawing/2010/main" xmlns="" w="9525">
+                <a14:hiddenLine xmlns="" xmlns:a14="http://schemas.microsoft.com/office/drawing/2010/main" w="9525">
                   <a:solidFill>
                     <a:srgbClr val="000000"/>
                   </a:solidFill>
@@ -6166,7 +6166,7 @@
             </a:ln>
             <a:extLst>
               <a:ext uri="{91240B29-F687-4f45-9708-019B960494DF}">
-                <a14:hiddenLine xmlns:a14="http://schemas.microsoft.com/office/drawing/2010/main" xmlns="" w="9525">
+                <a14:hiddenLine xmlns="" xmlns:a14="http://schemas.microsoft.com/office/drawing/2010/main" w="9525">
                   <a:solidFill>
                     <a:srgbClr val="000000"/>
                   </a:solidFill>
@@ -6200,7 +6200,7 @@
             </a:ln>
             <a:extLst>
               <a:ext uri="{91240B29-F687-4f45-9708-019B960494DF}">
-                <a14:hiddenLine xmlns:a14="http://schemas.microsoft.com/office/drawing/2010/main" xmlns="" w="9525">
+                <a14:hiddenLine xmlns="" xmlns:a14="http://schemas.microsoft.com/office/drawing/2010/main" w="9525">
                   <a:solidFill>
                     <a:srgbClr val="000000"/>
                   </a:solidFill>
@@ -6265,7 +6265,7 @@
             </a:ln>
             <a:extLst>
               <a:ext uri="{91240B29-F687-4f45-9708-019B960494DF}">
-                <a14:hiddenLine xmlns:a14="http://schemas.microsoft.com/office/drawing/2010/main" xmlns="" w="9525">
+                <a14:hiddenLine xmlns="" xmlns:a14="http://schemas.microsoft.com/office/drawing/2010/main" w="9525">
                   <a:solidFill>
                     <a:srgbClr val="000000"/>
                   </a:solidFill>
@@ -6355,7 +6355,7 @@
             </a:ln>
             <a:extLst>
               <a:ext uri="{91240B29-F687-4f45-9708-019B960494DF}">
-                <a14:hiddenLine xmlns:a14="http://schemas.microsoft.com/office/drawing/2010/main" xmlns="" w="9525">
+                <a14:hiddenLine xmlns="" xmlns:a14="http://schemas.microsoft.com/office/drawing/2010/main" w="9525">
                   <a:solidFill>
                     <a:srgbClr val="000000"/>
                   </a:solidFill>
@@ -6417,7 +6417,7 @@
             </a:ln>
             <a:extLst>
               <a:ext uri="{91240B29-F687-4f45-9708-019B960494DF}">
-                <a14:hiddenLine xmlns:a14="http://schemas.microsoft.com/office/drawing/2010/main" xmlns="" w="9525">
+                <a14:hiddenLine xmlns="" xmlns:a14="http://schemas.microsoft.com/office/drawing/2010/main" w="9525">
                   <a:solidFill>
                     <a:srgbClr val="000000"/>
                   </a:solidFill>
@@ -6507,7 +6507,7 @@
             </a:ln>
             <a:extLst>
               <a:ext uri="{91240B29-F687-4f45-9708-019B960494DF}">
-                <a14:hiddenLine xmlns:a14="http://schemas.microsoft.com/office/drawing/2010/main" xmlns="" w="9525">
+                <a14:hiddenLine xmlns="" xmlns:a14="http://schemas.microsoft.com/office/drawing/2010/main" w="9525">
                   <a:solidFill>
                     <a:srgbClr val="000000"/>
                   </a:solidFill>
@@ -6597,7 +6597,7 @@
             </a:ln>
             <a:extLst>
               <a:ext uri="{91240B29-F687-4f45-9708-019B960494DF}">
-                <a14:hiddenLine xmlns:a14="http://schemas.microsoft.com/office/drawing/2010/main" xmlns="" w="9525">
+                <a14:hiddenLine xmlns="" xmlns:a14="http://schemas.microsoft.com/office/drawing/2010/main" w="9525">
                   <a:solidFill>
                     <a:srgbClr val="000000"/>
                   </a:solidFill>
@@ -6662,7 +6662,7 @@
             </a:ln>
             <a:extLst>
               <a:ext uri="{91240B29-F687-4f45-9708-019B960494DF}">
-                <a14:hiddenLine xmlns:a14="http://schemas.microsoft.com/office/drawing/2010/main" xmlns="" w="9525">
+                <a14:hiddenLine xmlns="" xmlns:a14="http://schemas.microsoft.com/office/drawing/2010/main" w="9525">
                   <a:solidFill>
                     <a:srgbClr val="000000"/>
                   </a:solidFill>
@@ -6724,7 +6724,7 @@
             </a:ln>
             <a:extLst>
               <a:ext uri="{91240B29-F687-4f45-9708-019B960494DF}">
-                <a14:hiddenLine xmlns:a14="http://schemas.microsoft.com/office/drawing/2010/main" xmlns="" w="9525">
+                <a14:hiddenLine xmlns="" xmlns:a14="http://schemas.microsoft.com/office/drawing/2010/main" w="9525">
                   <a:solidFill>
                     <a:srgbClr val="000000"/>
                   </a:solidFill>
@@ -6814,7 +6814,7 @@
             </a:ln>
             <a:extLst>
               <a:ext uri="{91240B29-F687-4f45-9708-019B960494DF}">
-                <a14:hiddenLine xmlns:a14="http://schemas.microsoft.com/office/drawing/2010/main" xmlns="" w="9525">
+                <a14:hiddenLine xmlns="" xmlns:a14="http://schemas.microsoft.com/office/drawing/2010/main" w="9525">
                   <a:solidFill>
                     <a:srgbClr val="000000"/>
                   </a:solidFill>
@@ -6904,7 +6904,7 @@
             </a:ln>
             <a:extLst>
               <a:ext uri="{91240B29-F687-4f45-9708-019B960494DF}">
-                <a14:hiddenLine xmlns:a14="http://schemas.microsoft.com/office/drawing/2010/main" xmlns="" w="9525">
+                <a14:hiddenLine xmlns="" xmlns:a14="http://schemas.microsoft.com/office/drawing/2010/main" w="9525">
                   <a:solidFill>
                     <a:srgbClr val="000000"/>
                   </a:solidFill>
@@ -6966,7 +6966,7 @@
             </a:ln>
             <a:extLst>
               <a:ext uri="{91240B29-F687-4f45-9708-019B960494DF}">
-                <a14:hiddenLine xmlns:a14="http://schemas.microsoft.com/office/drawing/2010/main" xmlns="" w="9525">
+                <a14:hiddenLine xmlns="" xmlns:a14="http://schemas.microsoft.com/office/drawing/2010/main" w="9525">
                   <a:solidFill>
                     <a:srgbClr val="000000"/>
                   </a:solidFill>
@@ -7086,7 +7086,7 @@
             </a:ln>
             <a:extLst>
               <a:ext uri="{91240B29-F687-4f45-9708-019B960494DF}">
-                <a14:hiddenLine xmlns:a14="http://schemas.microsoft.com/office/drawing/2010/main" xmlns="" w="9525">
+                <a14:hiddenLine xmlns="" xmlns:a14="http://schemas.microsoft.com/office/drawing/2010/main" w="9525">
                   <a:solidFill>
                     <a:srgbClr val="000000"/>
                   </a:solidFill>
@@ -7154,7 +7154,7 @@
             </a:ln>
             <a:extLst>
               <a:ext uri="{91240B29-F687-4f45-9708-019B960494DF}">
-                <a14:hiddenLine xmlns:a14="http://schemas.microsoft.com/office/drawing/2010/main" xmlns="" w="9525">
+                <a14:hiddenLine xmlns="" xmlns:a14="http://schemas.microsoft.com/office/drawing/2010/main" w="9525">
                   <a:solidFill>
                     <a:srgbClr val="000000"/>
                   </a:solidFill>
@@ -7244,7 +7244,7 @@
             </a:ln>
             <a:extLst>
               <a:ext uri="{91240B29-F687-4f45-9708-019B960494DF}">
-                <a14:hiddenLine xmlns:a14="http://schemas.microsoft.com/office/drawing/2010/main" xmlns="" w="9525">
+                <a14:hiddenLine xmlns="" xmlns:a14="http://schemas.microsoft.com/office/drawing/2010/main" w="9525">
                   <a:solidFill>
                     <a:srgbClr val="000000"/>
                   </a:solidFill>
@@ -12058,7 +12058,7 @@
           <a:noFill/>
           <a:extLst>
             <a:ext uri="{909E8E84-426E-40dd-AFC4-6F175D3DCCD1}">
-              <a14:hiddenFill xmlns:a14="http://schemas.microsoft.com/office/drawing/2010/main" xmlns="">
+              <a14:hiddenFill xmlns="" xmlns:a14="http://schemas.microsoft.com/office/drawing/2010/main">
                 <a:solidFill>
                   <a:srgbClr val="FFFFFF"/>
                 </a:solidFill>
@@ -12132,7 +12132,7 @@
               </a:ln>
               <a:extLst>
                 <a:ext uri="{91240B29-F687-4f45-9708-019B960494DF}">
-                  <a14:hiddenLine xmlns:a14="http://schemas.microsoft.com/office/drawing/2010/main" xmlns="" w="9525">
+                  <a14:hiddenLine xmlns="" xmlns:a14="http://schemas.microsoft.com/office/drawing/2010/main" w="9525">
                     <a:solidFill>
                       <a:srgbClr val="000000"/>
                     </a:solidFill>
@@ -12222,7 +12222,7 @@
               </a:ln>
               <a:extLst>
                 <a:ext uri="{91240B29-F687-4f45-9708-019B960494DF}">
-                  <a14:hiddenLine xmlns:a14="http://schemas.microsoft.com/office/drawing/2010/main" xmlns="" w="9525">
+                  <a14:hiddenLine xmlns="" xmlns:a14="http://schemas.microsoft.com/office/drawing/2010/main" w="9525">
                     <a:solidFill>
                       <a:srgbClr val="000000"/>
                     </a:solidFill>
@@ -12312,7 +12312,7 @@
               </a:ln>
               <a:extLst>
                 <a:ext uri="{91240B29-F687-4f45-9708-019B960494DF}">
-                  <a14:hiddenLine xmlns:a14="http://schemas.microsoft.com/office/drawing/2010/main" xmlns="" w="9525">
+                  <a14:hiddenLine xmlns="" xmlns:a14="http://schemas.microsoft.com/office/drawing/2010/main" w="9525">
                     <a:solidFill>
                       <a:srgbClr val="000000"/>
                     </a:solidFill>
@@ -12374,7 +12374,7 @@
               </a:ln>
               <a:extLst>
                 <a:ext uri="{91240B29-F687-4f45-9708-019B960494DF}">
-                  <a14:hiddenLine xmlns:a14="http://schemas.microsoft.com/office/drawing/2010/main" xmlns="" w="9525">
+                  <a14:hiddenLine xmlns="" xmlns:a14="http://schemas.microsoft.com/office/drawing/2010/main" w="9525">
                     <a:solidFill>
                       <a:srgbClr val="000000"/>
                     </a:solidFill>
@@ -12464,7 +12464,7 @@
               </a:ln>
               <a:extLst>
                 <a:ext uri="{91240B29-F687-4f45-9708-019B960494DF}">
-                  <a14:hiddenLine xmlns:a14="http://schemas.microsoft.com/office/drawing/2010/main" xmlns="" w="9525">
+                  <a14:hiddenLine xmlns="" xmlns:a14="http://schemas.microsoft.com/office/drawing/2010/main" w="9525">
                     <a:solidFill>
                       <a:srgbClr val="000000"/>
                     </a:solidFill>
@@ -12526,7 +12526,7 @@
               </a:ln>
               <a:extLst>
                 <a:ext uri="{91240B29-F687-4f45-9708-019B960494DF}">
-                  <a14:hiddenLine xmlns:a14="http://schemas.microsoft.com/office/drawing/2010/main" xmlns="" w="9525">
+                  <a14:hiddenLine xmlns="" xmlns:a14="http://schemas.microsoft.com/office/drawing/2010/main" w="9525">
                     <a:solidFill>
                       <a:srgbClr val="000000"/>
                     </a:solidFill>
@@ -12588,7 +12588,7 @@
               </a:ln>
               <a:extLst>
                 <a:ext uri="{91240B29-F687-4f45-9708-019B960494DF}">
-                  <a14:hiddenLine xmlns:a14="http://schemas.microsoft.com/office/drawing/2010/main" xmlns="" w="9525">
+                  <a14:hiddenLine xmlns="" xmlns:a14="http://schemas.microsoft.com/office/drawing/2010/main" w="9525">
                     <a:solidFill>
                       <a:srgbClr val="000000"/>
                     </a:solidFill>
@@ -12678,7 +12678,7 @@
               </a:ln>
               <a:extLst>
                 <a:ext uri="{91240B29-F687-4f45-9708-019B960494DF}">
-                  <a14:hiddenLine xmlns:a14="http://schemas.microsoft.com/office/drawing/2010/main" xmlns="" w="9525">
+                  <a14:hiddenLine xmlns="" xmlns:a14="http://schemas.microsoft.com/office/drawing/2010/main" w="9525">
                     <a:solidFill>
                       <a:srgbClr val="000000"/>
                     </a:solidFill>
@@ -12768,7 +12768,7 @@
               </a:ln>
               <a:extLst>
                 <a:ext uri="{91240B29-F687-4f45-9708-019B960494DF}">
-                  <a14:hiddenLine xmlns:a14="http://schemas.microsoft.com/office/drawing/2010/main" xmlns="" w="9525">
+                  <a14:hiddenLine xmlns="" xmlns:a14="http://schemas.microsoft.com/office/drawing/2010/main" w="9525">
                     <a:solidFill>
                       <a:srgbClr val="000000"/>
                     </a:solidFill>
@@ -12830,7 +12830,7 @@
               </a:ln>
               <a:extLst>
                 <a:ext uri="{91240B29-F687-4f45-9708-019B960494DF}">
-                  <a14:hiddenLine xmlns:a14="http://schemas.microsoft.com/office/drawing/2010/main" xmlns="" w="9525">
+                  <a14:hiddenLine xmlns="" xmlns:a14="http://schemas.microsoft.com/office/drawing/2010/main" w="9525">
                     <a:solidFill>
                       <a:srgbClr val="000000"/>
                     </a:solidFill>
@@ -12940,7 +12940,7 @@
               </a:ln>
               <a:extLst>
                 <a:ext uri="{91240B29-F687-4f45-9708-019B960494DF}">
-                  <a14:hiddenLine xmlns:a14="http://schemas.microsoft.com/office/drawing/2010/main" xmlns="" w="9525">
+                  <a14:hiddenLine xmlns="" xmlns:a14="http://schemas.microsoft.com/office/drawing/2010/main" w="9525">
                     <a:solidFill>
                       <a:srgbClr val="000000"/>
                     </a:solidFill>
@@ -13024,7 +13024,7 @@
               </a:ln>
               <a:extLst>
                 <a:ext uri="{91240B29-F687-4f45-9708-019B960494DF}">
-                  <a14:hiddenLine xmlns:a14="http://schemas.microsoft.com/office/drawing/2010/main" xmlns="" w="9525">
+                  <a14:hiddenLine xmlns="" xmlns:a14="http://schemas.microsoft.com/office/drawing/2010/main" w="9525">
                     <a:solidFill>
                       <a:srgbClr val="000000"/>
                     </a:solidFill>
@@ -13086,7 +13086,7 @@
               </a:ln>
               <a:extLst>
                 <a:ext uri="{91240B29-F687-4f45-9708-019B960494DF}">
-                  <a14:hiddenLine xmlns:a14="http://schemas.microsoft.com/office/drawing/2010/main" xmlns="" w="9525">
+                  <a14:hiddenLine xmlns="" xmlns:a14="http://schemas.microsoft.com/office/drawing/2010/main" w="9525">
                     <a:solidFill>
                       <a:srgbClr val="000000"/>
                     </a:solidFill>
@@ -13148,7 +13148,7 @@
               </a:ln>
               <a:extLst>
                 <a:ext uri="{91240B29-F687-4f45-9708-019B960494DF}">
-                  <a14:hiddenLine xmlns:a14="http://schemas.microsoft.com/office/drawing/2010/main" xmlns="" w="9525">
+                  <a14:hiddenLine xmlns="" xmlns:a14="http://schemas.microsoft.com/office/drawing/2010/main" w="9525">
                     <a:solidFill>
                       <a:srgbClr val="000000"/>
                     </a:solidFill>
@@ -13238,7 +13238,7 @@
               </a:ln>
               <a:extLst>
                 <a:ext uri="{91240B29-F687-4f45-9708-019B960494DF}">
-                  <a14:hiddenLine xmlns:a14="http://schemas.microsoft.com/office/drawing/2010/main" xmlns="" w="9525">
+                  <a14:hiddenLine xmlns="" xmlns:a14="http://schemas.microsoft.com/office/drawing/2010/main" w="9525">
                     <a:solidFill>
                       <a:srgbClr val="000000"/>
                     </a:solidFill>
@@ -13272,7 +13272,7 @@
               </a:ln>
               <a:extLst>
                 <a:ext uri="{91240B29-F687-4f45-9708-019B960494DF}">
-                  <a14:hiddenLine xmlns:a14="http://schemas.microsoft.com/office/drawing/2010/main" xmlns="" w="9525">
+                  <a14:hiddenLine xmlns="" xmlns:a14="http://schemas.microsoft.com/office/drawing/2010/main" w="9525">
                     <a:solidFill>
                       <a:srgbClr val="000000"/>
                     </a:solidFill>
@@ -13337,7 +13337,7 @@
               </a:ln>
               <a:extLst>
                 <a:ext uri="{91240B29-F687-4f45-9708-019B960494DF}">
-                  <a14:hiddenLine xmlns:a14="http://schemas.microsoft.com/office/drawing/2010/main" xmlns="" w="9525">
+                  <a14:hiddenLine xmlns="" xmlns:a14="http://schemas.microsoft.com/office/drawing/2010/main" w="9525">
                     <a:solidFill>
                       <a:srgbClr val="000000"/>
                     </a:solidFill>
@@ -13427,7 +13427,7 @@
               </a:ln>
               <a:extLst>
                 <a:ext uri="{91240B29-F687-4f45-9708-019B960494DF}">
-                  <a14:hiddenLine xmlns:a14="http://schemas.microsoft.com/office/drawing/2010/main" xmlns="" w="9525">
+                  <a14:hiddenLine xmlns="" xmlns:a14="http://schemas.microsoft.com/office/drawing/2010/main" w="9525">
                     <a:solidFill>
                       <a:srgbClr val="000000"/>
                     </a:solidFill>
@@ -13489,7 +13489,7 @@
               </a:ln>
               <a:extLst>
                 <a:ext uri="{91240B29-F687-4f45-9708-019B960494DF}">
-                  <a14:hiddenLine xmlns:a14="http://schemas.microsoft.com/office/drawing/2010/main" xmlns="" w="9525">
+                  <a14:hiddenLine xmlns="" xmlns:a14="http://schemas.microsoft.com/office/drawing/2010/main" w="9525">
                     <a:solidFill>
                       <a:srgbClr val="000000"/>
                     </a:solidFill>
@@ -13579,7 +13579,7 @@
               </a:ln>
               <a:extLst>
                 <a:ext uri="{91240B29-F687-4f45-9708-019B960494DF}">
-                  <a14:hiddenLine xmlns:a14="http://schemas.microsoft.com/office/drawing/2010/main" xmlns="" w="9525">
+                  <a14:hiddenLine xmlns="" xmlns:a14="http://schemas.microsoft.com/office/drawing/2010/main" w="9525">
                     <a:solidFill>
                       <a:srgbClr val="000000"/>
                     </a:solidFill>
@@ -13644,7 +13644,7 @@
               </a:ln>
               <a:extLst>
                 <a:ext uri="{91240B29-F687-4f45-9708-019B960494DF}">
-                  <a14:hiddenLine xmlns:a14="http://schemas.microsoft.com/office/drawing/2010/main" xmlns="" w="9525">
+                  <a14:hiddenLine xmlns="" xmlns:a14="http://schemas.microsoft.com/office/drawing/2010/main" w="9525">
                     <a:solidFill>
                       <a:srgbClr val="000000"/>
                     </a:solidFill>
@@ -13706,7 +13706,7 @@
               </a:ln>
               <a:extLst>
                 <a:ext uri="{91240B29-F687-4f45-9708-019B960494DF}">
-                  <a14:hiddenLine xmlns:a14="http://schemas.microsoft.com/office/drawing/2010/main" xmlns="" w="9525">
+                  <a14:hiddenLine xmlns="" xmlns:a14="http://schemas.microsoft.com/office/drawing/2010/main" w="9525">
                     <a:solidFill>
                       <a:srgbClr val="000000"/>
                     </a:solidFill>
@@ -13796,7 +13796,7 @@
               </a:ln>
               <a:extLst>
                 <a:ext uri="{91240B29-F687-4f45-9708-019B960494DF}">
-                  <a14:hiddenLine xmlns:a14="http://schemas.microsoft.com/office/drawing/2010/main" xmlns="" w="9525">
+                  <a14:hiddenLine xmlns="" xmlns:a14="http://schemas.microsoft.com/office/drawing/2010/main" w="9525">
                     <a:solidFill>
                       <a:srgbClr val="000000"/>
                     </a:solidFill>
@@ -13886,7 +13886,7 @@
               </a:ln>
               <a:extLst>
                 <a:ext uri="{91240B29-F687-4f45-9708-019B960494DF}">
-                  <a14:hiddenLine xmlns:a14="http://schemas.microsoft.com/office/drawing/2010/main" xmlns="" w="9525">
+                  <a14:hiddenLine xmlns="" xmlns:a14="http://schemas.microsoft.com/office/drawing/2010/main" w="9525">
                     <a:solidFill>
                       <a:srgbClr val="000000"/>
                     </a:solidFill>
@@ -13951,7 +13951,7 @@
               </a:ln>
               <a:extLst>
                 <a:ext uri="{91240B29-F687-4f45-9708-019B960494DF}">
-                  <a14:hiddenLine xmlns:a14="http://schemas.microsoft.com/office/drawing/2010/main" xmlns="" w="9525">
+                  <a14:hiddenLine xmlns="" xmlns:a14="http://schemas.microsoft.com/office/drawing/2010/main" w="9525">
                     <a:solidFill>
                       <a:srgbClr val="000000"/>
                     </a:solidFill>
@@ -14071,7 +14071,7 @@
               </a:ln>
               <a:extLst>
                 <a:ext uri="{91240B29-F687-4f45-9708-019B960494DF}">
-                  <a14:hiddenLine xmlns:a14="http://schemas.microsoft.com/office/drawing/2010/main" xmlns="" w="9525">
+                  <a14:hiddenLine xmlns="" xmlns:a14="http://schemas.microsoft.com/office/drawing/2010/main" w="9525">
                     <a:solidFill>
                       <a:srgbClr val="000000"/>
                     </a:solidFill>
@@ -14152,7 +14152,7 @@
               </a:ln>
               <a:extLst>
                 <a:ext uri="{91240B29-F687-4f45-9708-019B960494DF}">
-                  <a14:hiddenLine xmlns:a14="http://schemas.microsoft.com/office/drawing/2010/main" xmlns="" w="9525">
+                  <a14:hiddenLine xmlns="" xmlns:a14="http://schemas.microsoft.com/office/drawing/2010/main" w="9525">
                     <a:solidFill>
                       <a:srgbClr val="000000"/>
                     </a:solidFill>
@@ -14267,7 +14267,7 @@
               </a:ln>
               <a:extLst>
                 <a:ext uri="{91240B29-F687-4f45-9708-019B960494DF}">
-                  <a14:hiddenLine xmlns:a14="http://schemas.microsoft.com/office/drawing/2010/main" xmlns="" w="9525">
+                  <a14:hiddenLine xmlns="" xmlns:a14="http://schemas.microsoft.com/office/drawing/2010/main" w="9525">
                     <a:solidFill>
                       <a:srgbClr val="000000"/>
                     </a:solidFill>
@@ -14357,7 +14357,7 @@
               </a:ln>
               <a:extLst>
                 <a:ext uri="{91240B29-F687-4f45-9708-019B960494DF}">
-                  <a14:hiddenLine xmlns:a14="http://schemas.microsoft.com/office/drawing/2010/main" xmlns="" w="9525">
+                  <a14:hiddenLine xmlns="" xmlns:a14="http://schemas.microsoft.com/office/drawing/2010/main" w="9525">
                     <a:solidFill>
                       <a:srgbClr val="000000"/>
                     </a:solidFill>
@@ -14422,7 +14422,7 @@
               </a:ln>
               <a:extLst>
                 <a:ext uri="{91240B29-F687-4f45-9708-019B960494DF}">
-                  <a14:hiddenLine xmlns:a14="http://schemas.microsoft.com/office/drawing/2010/main" xmlns="" w="9525">
+                  <a14:hiddenLine xmlns="" xmlns:a14="http://schemas.microsoft.com/office/drawing/2010/main" w="9525">
                     <a:solidFill>
                       <a:srgbClr val="000000"/>
                     </a:solidFill>
@@ -14512,7 +14512,7 @@
               </a:ln>
               <a:extLst>
                 <a:ext uri="{91240B29-F687-4f45-9708-019B960494DF}">
-                  <a14:hiddenLine xmlns:a14="http://schemas.microsoft.com/office/drawing/2010/main" xmlns="" w="9525">
+                  <a14:hiddenLine xmlns="" xmlns:a14="http://schemas.microsoft.com/office/drawing/2010/main" w="9525">
                     <a:solidFill>
                       <a:srgbClr val="000000"/>
                     </a:solidFill>
@@ -14580,7 +14580,7 @@
               </a:ln>
               <a:extLst>
                 <a:ext uri="{91240B29-F687-4f45-9708-019B960494DF}">
-                  <a14:hiddenLine xmlns:a14="http://schemas.microsoft.com/office/drawing/2010/main" xmlns="" w="9525">
+                  <a14:hiddenLine xmlns="" xmlns:a14="http://schemas.microsoft.com/office/drawing/2010/main" w="9525">
                     <a:solidFill>
                       <a:srgbClr val="000000"/>
                     </a:solidFill>
@@ -14670,7 +14670,7 @@
               </a:ln>
               <a:extLst>
                 <a:ext uri="{91240B29-F687-4f45-9708-019B960494DF}">
-                  <a14:hiddenLine xmlns:a14="http://schemas.microsoft.com/office/drawing/2010/main" xmlns="" w="9525">
+                  <a14:hiddenLine xmlns="" xmlns:a14="http://schemas.microsoft.com/office/drawing/2010/main" w="9525">
                     <a:solidFill>
                       <a:srgbClr val="000000"/>
                     </a:solidFill>
@@ -14738,7 +14738,7 @@
               </a:ln>
               <a:extLst>
                 <a:ext uri="{91240B29-F687-4f45-9708-019B960494DF}">
-                  <a14:hiddenLine xmlns:a14="http://schemas.microsoft.com/office/drawing/2010/main" xmlns="" w="9525">
+                  <a14:hiddenLine xmlns="" xmlns:a14="http://schemas.microsoft.com/office/drawing/2010/main" w="9525">
                     <a:solidFill>
                       <a:srgbClr val="000000"/>
                     </a:solidFill>
@@ -14828,7 +14828,7 @@
               </a:ln>
               <a:extLst>
                 <a:ext uri="{91240B29-F687-4f45-9708-019B960494DF}">
-                  <a14:hiddenLine xmlns:a14="http://schemas.microsoft.com/office/drawing/2010/main" xmlns="" w="9525">
+                  <a14:hiddenLine xmlns="" xmlns:a14="http://schemas.microsoft.com/office/drawing/2010/main" w="9525">
                     <a:solidFill>
                       <a:srgbClr val="000000"/>
                     </a:solidFill>
@@ -14862,7 +14862,7 @@
               </a:ln>
               <a:extLst>
                 <a:ext uri="{91240B29-F687-4f45-9708-019B960494DF}">
-                  <a14:hiddenLine xmlns:a14="http://schemas.microsoft.com/office/drawing/2010/main" xmlns="" w="9525">
+                  <a14:hiddenLine xmlns="" xmlns:a14="http://schemas.microsoft.com/office/drawing/2010/main" w="9525">
                     <a:solidFill>
                       <a:srgbClr val="000000"/>
                     </a:solidFill>
@@ -15597,7 +15597,7 @@
             <a:noFill/>
             <a:extLst>
               <a:ext uri="{909E8E84-426E-40dd-AFC4-6F175D3DCCD1}">
-                <a14:hiddenFill xmlns:p14="http://schemas.microsoft.com/office/powerpoint/2010/main" xmlns:a14="http://schemas.microsoft.com/office/drawing/2010/main" xmlns:a16="http://schemas.microsoft.com/office/drawing/2014/main" xmlns="">
+                <a14:hiddenFill xmlns="" xmlns:a16="http://schemas.microsoft.com/office/drawing/2014/main" xmlns:a14="http://schemas.microsoft.com/office/drawing/2010/main" xmlns:p14="http://schemas.microsoft.com/office/powerpoint/2010/main">
                   <a:solidFill>
                     <a:srgbClr val="FFFFFF"/>
                   </a:solidFill>
@@ -27357,7 +27357,7 @@
         </p:spPr>
         <p:txBody>
           <a:bodyPr>
-            <a:normAutofit/>
+            <a:normAutofit fontScale="85000" lnSpcReduction="20000"/>
           </a:bodyPr>
           <a:lstStyle/>
           <a:p>
@@ -27377,6 +27377,16 @@
                 <a:hlinkClick r:id="rId5"/>
               </a:rPr>
               <a:t>cestayoyarzo1@studentmail.nait.ca</a:t>
+            </a:r>
+            <a:endParaRPr lang="en-US" sz="2400" dirty="0"/>
+          </a:p>
+          <a:p>
+            <a:pPr algn="ctr"/>
+            <a:r>
+              <a:rPr lang="en-US" sz="2400" dirty="0">
+                <a:hlinkClick r:id="rId6"/>
+              </a:rPr>
+              <a:t>GitHub: cestayoyarzo1</a:t>
             </a:r>
             <a:endParaRPr lang="en-US" sz="2400" dirty="0"/>
           </a:p>
@@ -28399,7 +28409,7 @@
           <a:p>
             <a:r>
               <a:rPr lang="en-US" dirty="0"/>
-              <a:t>BLE characteristics</a:t>
+              <a:t>BLE FEATURES</a:t>
             </a:r>
             <a:endParaRPr lang="en-CA" dirty="0"/>
           </a:p>
@@ -28433,7 +28443,7 @@
           <a:p>
             <a:r>
               <a:rPr lang="en-US" dirty="0"/>
-              <a:t>Transmits small amounts of data between devices</a:t>
+              <a:t>Transmit small amounts of data between devices</a:t>
             </a:r>
           </a:p>
           <a:p>
@@ -28941,7 +28951,7 @@
             <a:noFill/>
             <a:extLst>
               <a:ext uri="{909E8E84-426E-40dd-AFC4-6F175D3DCCD1}">
-                <a14:hiddenFill xmlns:p14="http://schemas.microsoft.com/office/powerpoint/2010/main" xmlns:a14="http://schemas.microsoft.com/office/drawing/2010/main" xmlns:a16="http://schemas.microsoft.com/office/drawing/2014/main" xmlns="">
+                <a14:hiddenFill xmlns="" xmlns:a16="http://schemas.microsoft.com/office/drawing/2014/main" xmlns:a14="http://schemas.microsoft.com/office/drawing/2010/main" xmlns:p14="http://schemas.microsoft.com/office/powerpoint/2010/main">
                   <a:solidFill>
                     <a:srgbClr val="FFFFFF"/>
                   </a:solidFill>
@@ -29060,7 +29070,7 @@
             </a:ln>
             <a:extLst>
               <a:ext uri="{91240B29-F687-4f45-9708-019B960494DF}">
-                <a14:hiddenLine xmlns:p14="http://schemas.microsoft.com/office/powerpoint/2010/main" xmlns:a14="http://schemas.microsoft.com/office/drawing/2010/main" xmlns:a16="http://schemas.microsoft.com/office/drawing/2014/main" xmlns="" w="9525">
+                <a14:hiddenLine xmlns="" xmlns:a16="http://schemas.microsoft.com/office/drawing/2014/main" xmlns:a14="http://schemas.microsoft.com/office/drawing/2010/main" xmlns:p14="http://schemas.microsoft.com/office/powerpoint/2010/main" w="9525">
                   <a:solidFill>
                     <a:srgbClr val="000000"/>
                   </a:solidFill>
@@ -29165,7 +29175,7 @@
             </a:ln>
             <a:extLst>
               <a:ext uri="{91240B29-F687-4f45-9708-019B960494DF}">
-                <a14:hiddenLine xmlns:p14="http://schemas.microsoft.com/office/powerpoint/2010/main" xmlns:a14="http://schemas.microsoft.com/office/drawing/2010/main" xmlns:a16="http://schemas.microsoft.com/office/drawing/2014/main" xmlns="" w="9525">
+                <a14:hiddenLine xmlns="" xmlns:a16="http://schemas.microsoft.com/office/drawing/2014/main" xmlns:a14="http://schemas.microsoft.com/office/drawing/2010/main" xmlns:p14="http://schemas.microsoft.com/office/powerpoint/2010/main" w="9525">
                   <a:solidFill>
                     <a:srgbClr val="000000"/>
                   </a:solidFill>
@@ -29270,7 +29280,7 @@
             </a:ln>
             <a:extLst>
               <a:ext uri="{91240B29-F687-4f45-9708-019B960494DF}">
-                <a14:hiddenLine xmlns:p14="http://schemas.microsoft.com/office/powerpoint/2010/main" xmlns:a14="http://schemas.microsoft.com/office/drawing/2010/main" xmlns:a16="http://schemas.microsoft.com/office/drawing/2014/main" xmlns="" w="9525">
+                <a14:hiddenLine xmlns="" xmlns:a16="http://schemas.microsoft.com/office/drawing/2014/main" xmlns:a14="http://schemas.microsoft.com/office/drawing/2010/main" xmlns:p14="http://schemas.microsoft.com/office/powerpoint/2010/main" w="9525">
                   <a:solidFill>
                     <a:srgbClr val="000000"/>
                   </a:solidFill>
@@ -29319,7 +29329,7 @@
             </a:ln>
             <a:extLst>
               <a:ext uri="{91240B29-F687-4f45-9708-019B960494DF}">
-                <a14:hiddenLine xmlns:p14="http://schemas.microsoft.com/office/powerpoint/2010/main" xmlns:a14="http://schemas.microsoft.com/office/drawing/2010/main" xmlns:a16="http://schemas.microsoft.com/office/drawing/2014/main" xmlns="" w="9525">
+                <a14:hiddenLine xmlns="" xmlns:a16="http://schemas.microsoft.com/office/drawing/2014/main" xmlns:a14="http://schemas.microsoft.com/office/drawing/2010/main" xmlns:p14="http://schemas.microsoft.com/office/powerpoint/2010/main" w="9525">
                   <a:solidFill>
                     <a:srgbClr val="000000"/>
                   </a:solidFill>
@@ -29424,7 +29434,7 @@
             </a:ln>
             <a:extLst>
               <a:ext uri="{91240B29-F687-4f45-9708-019B960494DF}">
-                <a14:hiddenLine xmlns:p14="http://schemas.microsoft.com/office/powerpoint/2010/main" xmlns:a14="http://schemas.microsoft.com/office/drawing/2010/main" xmlns:a16="http://schemas.microsoft.com/office/drawing/2014/main" xmlns="" w="9525">
+                <a14:hiddenLine xmlns="" xmlns:a16="http://schemas.microsoft.com/office/drawing/2014/main" xmlns:a14="http://schemas.microsoft.com/office/drawing/2010/main" xmlns:p14="http://schemas.microsoft.com/office/powerpoint/2010/main" w="9525">
                   <a:solidFill>
                     <a:srgbClr val="000000"/>
                   </a:solidFill>
@@ -29501,7 +29511,7 @@
             </a:ln>
             <a:extLst>
               <a:ext uri="{91240B29-F687-4f45-9708-019B960494DF}">
-                <a14:hiddenLine xmlns:p14="http://schemas.microsoft.com/office/powerpoint/2010/main" xmlns:a14="http://schemas.microsoft.com/office/drawing/2010/main" xmlns:a16="http://schemas.microsoft.com/office/drawing/2014/main" xmlns="" w="9525">
+                <a14:hiddenLine xmlns="" xmlns:a16="http://schemas.microsoft.com/office/drawing/2014/main" xmlns:a14="http://schemas.microsoft.com/office/drawing/2010/main" xmlns:p14="http://schemas.microsoft.com/office/powerpoint/2010/main" w="9525">
                   <a:solidFill>
                     <a:srgbClr val="000000"/>
                   </a:solidFill>
@@ -29578,7 +29588,7 @@
             </a:ln>
             <a:extLst>
               <a:ext uri="{91240B29-F687-4f45-9708-019B960494DF}">
-                <a14:hiddenLine xmlns:p14="http://schemas.microsoft.com/office/powerpoint/2010/main" xmlns:a14="http://schemas.microsoft.com/office/drawing/2010/main" xmlns:a16="http://schemas.microsoft.com/office/drawing/2014/main" xmlns="" w="9525">
+                <a14:hiddenLine xmlns="" xmlns:a16="http://schemas.microsoft.com/office/drawing/2014/main" xmlns:a14="http://schemas.microsoft.com/office/drawing/2010/main" xmlns:p14="http://schemas.microsoft.com/office/powerpoint/2010/main" w="9525">
                   <a:solidFill>
                     <a:srgbClr val="000000"/>
                   </a:solidFill>
@@ -29683,7 +29693,7 @@
             </a:ln>
             <a:extLst>
               <a:ext uri="{91240B29-F687-4f45-9708-019B960494DF}">
-                <a14:hiddenLine xmlns:p14="http://schemas.microsoft.com/office/powerpoint/2010/main" xmlns:a14="http://schemas.microsoft.com/office/drawing/2010/main" xmlns:a16="http://schemas.microsoft.com/office/drawing/2014/main" xmlns="" w="9525">
+                <a14:hiddenLine xmlns="" xmlns:a16="http://schemas.microsoft.com/office/drawing/2014/main" xmlns:a14="http://schemas.microsoft.com/office/drawing/2010/main" xmlns:p14="http://schemas.microsoft.com/office/powerpoint/2010/main" w="9525">
                   <a:solidFill>
                     <a:srgbClr val="000000"/>
                   </a:solidFill>
@@ -29760,7 +29770,7 @@
             </a:ln>
             <a:extLst>
               <a:ext uri="{91240B29-F687-4f45-9708-019B960494DF}">
-                <a14:hiddenLine xmlns:p14="http://schemas.microsoft.com/office/powerpoint/2010/main" xmlns:a14="http://schemas.microsoft.com/office/drawing/2010/main" xmlns:a16="http://schemas.microsoft.com/office/drawing/2014/main" xmlns="" w="9525">
+                <a14:hiddenLine xmlns="" xmlns:a16="http://schemas.microsoft.com/office/drawing/2014/main" xmlns:a14="http://schemas.microsoft.com/office/drawing/2010/main" xmlns:p14="http://schemas.microsoft.com/office/powerpoint/2010/main" w="9525">
                   <a:solidFill>
                     <a:srgbClr val="000000"/>
                   </a:solidFill>
@@ -29837,7 +29847,7 @@
             </a:ln>
             <a:extLst>
               <a:ext uri="{91240B29-F687-4f45-9708-019B960494DF}">
-                <a14:hiddenLine xmlns:p14="http://schemas.microsoft.com/office/powerpoint/2010/main" xmlns:a14="http://schemas.microsoft.com/office/drawing/2010/main" xmlns:a16="http://schemas.microsoft.com/office/drawing/2014/main" xmlns="" w="9525">
+                <a14:hiddenLine xmlns="" xmlns:a16="http://schemas.microsoft.com/office/drawing/2014/main" xmlns:a14="http://schemas.microsoft.com/office/drawing/2010/main" xmlns:p14="http://schemas.microsoft.com/office/powerpoint/2010/main" w="9525">
                   <a:solidFill>
                     <a:srgbClr val="000000"/>
                   </a:solidFill>
@@ -29942,7 +29952,7 @@
             </a:ln>
             <a:extLst>
               <a:ext uri="{91240B29-F687-4f45-9708-019B960494DF}">
-                <a14:hiddenLine xmlns:p14="http://schemas.microsoft.com/office/powerpoint/2010/main" xmlns:a14="http://schemas.microsoft.com/office/drawing/2010/main" xmlns:a16="http://schemas.microsoft.com/office/drawing/2014/main" xmlns="" w="9525">
+                <a14:hiddenLine xmlns="" xmlns:a16="http://schemas.microsoft.com/office/drawing/2014/main" xmlns:a14="http://schemas.microsoft.com/office/drawing/2010/main" xmlns:p14="http://schemas.microsoft.com/office/powerpoint/2010/main" w="9525">
                   <a:solidFill>
                     <a:srgbClr val="000000"/>
                   </a:solidFill>
@@ -30047,7 +30057,7 @@
             </a:ln>
             <a:extLst>
               <a:ext uri="{91240B29-F687-4f45-9708-019B960494DF}">
-                <a14:hiddenLine xmlns:p14="http://schemas.microsoft.com/office/powerpoint/2010/main" xmlns:a14="http://schemas.microsoft.com/office/drawing/2010/main" xmlns:a16="http://schemas.microsoft.com/office/drawing/2014/main" xmlns="" w="9525">
+                <a14:hiddenLine xmlns="" xmlns:a16="http://schemas.microsoft.com/office/drawing/2014/main" xmlns:a14="http://schemas.microsoft.com/office/drawing/2010/main" xmlns:p14="http://schemas.microsoft.com/office/powerpoint/2010/main" w="9525">
                   <a:solidFill>
                     <a:srgbClr val="000000"/>
                   </a:solidFill>
@@ -30124,7 +30134,7 @@
             </a:ln>
             <a:extLst>
               <a:ext uri="{91240B29-F687-4f45-9708-019B960494DF}">
-                <a14:hiddenLine xmlns:p14="http://schemas.microsoft.com/office/powerpoint/2010/main" xmlns:a14="http://schemas.microsoft.com/office/drawing/2010/main" xmlns:a16="http://schemas.microsoft.com/office/drawing/2014/main" xmlns="" w="9525">
+                <a14:hiddenLine xmlns="" xmlns:a16="http://schemas.microsoft.com/office/drawing/2014/main" xmlns:a14="http://schemas.microsoft.com/office/drawing/2010/main" xmlns:p14="http://schemas.microsoft.com/office/powerpoint/2010/main" w="9525">
                   <a:solidFill>
                     <a:srgbClr val="000000"/>
                   </a:solidFill>
@@ -30249,7 +30259,7 @@
             </a:ln>
             <a:extLst>
               <a:ext uri="{91240B29-F687-4f45-9708-019B960494DF}">
-                <a14:hiddenLine xmlns:p14="http://schemas.microsoft.com/office/powerpoint/2010/main" xmlns:a14="http://schemas.microsoft.com/office/drawing/2010/main" xmlns:a16="http://schemas.microsoft.com/office/drawing/2014/main" xmlns="" w="9525">
+                <a14:hiddenLine xmlns="" xmlns:a16="http://schemas.microsoft.com/office/drawing/2014/main" xmlns:a14="http://schemas.microsoft.com/office/drawing/2010/main" xmlns:p14="http://schemas.microsoft.com/office/powerpoint/2010/main" w="9525">
                   <a:solidFill>
                     <a:srgbClr val="000000"/>
                   </a:solidFill>
@@ -30326,7 +30336,7 @@
             </a:ln>
             <a:extLst>
               <a:ext uri="{91240B29-F687-4f45-9708-019B960494DF}">
-                <a14:hiddenLine xmlns:p14="http://schemas.microsoft.com/office/powerpoint/2010/main" xmlns:a14="http://schemas.microsoft.com/office/drawing/2010/main" xmlns:a16="http://schemas.microsoft.com/office/drawing/2014/main" xmlns="" w="9525">
+                <a14:hiddenLine xmlns="" xmlns:a16="http://schemas.microsoft.com/office/drawing/2014/main" xmlns:a14="http://schemas.microsoft.com/office/drawing/2010/main" xmlns:p14="http://schemas.microsoft.com/office/powerpoint/2010/main" w="9525">
                   <a:solidFill>
                     <a:srgbClr val="000000"/>
                   </a:solidFill>
@@ -30431,7 +30441,7 @@
             </a:ln>
             <a:extLst>
               <a:ext uri="{91240B29-F687-4f45-9708-019B960494DF}">
-                <a14:hiddenLine xmlns:p14="http://schemas.microsoft.com/office/powerpoint/2010/main" xmlns:a14="http://schemas.microsoft.com/office/drawing/2010/main" xmlns:a16="http://schemas.microsoft.com/office/drawing/2014/main" xmlns="" w="9525">
+                <a14:hiddenLine xmlns="" xmlns:a16="http://schemas.microsoft.com/office/drawing/2014/main" xmlns:a14="http://schemas.microsoft.com/office/drawing/2010/main" xmlns:p14="http://schemas.microsoft.com/office/powerpoint/2010/main" w="9525">
                   <a:solidFill>
                     <a:srgbClr val="000000"/>
                   </a:solidFill>
@@ -30536,7 +30546,7 @@
             </a:ln>
             <a:extLst>
               <a:ext uri="{91240B29-F687-4f45-9708-019B960494DF}">
-                <a14:hiddenLine xmlns:p14="http://schemas.microsoft.com/office/powerpoint/2010/main" xmlns:a14="http://schemas.microsoft.com/office/drawing/2010/main" xmlns:a16="http://schemas.microsoft.com/office/drawing/2014/main" xmlns="" w="9525">
+                <a14:hiddenLine xmlns="" xmlns:a16="http://schemas.microsoft.com/office/drawing/2014/main" xmlns:a14="http://schemas.microsoft.com/office/drawing/2010/main" xmlns:p14="http://schemas.microsoft.com/office/powerpoint/2010/main" w="9525">
                   <a:solidFill>
                     <a:srgbClr val="000000"/>
                   </a:solidFill>
@@ -30613,7 +30623,7 @@
             </a:ln>
             <a:extLst>
               <a:ext uri="{91240B29-F687-4f45-9708-019B960494DF}">
-                <a14:hiddenLine xmlns:p14="http://schemas.microsoft.com/office/powerpoint/2010/main" xmlns:a14="http://schemas.microsoft.com/office/drawing/2010/main" xmlns:a16="http://schemas.microsoft.com/office/drawing/2014/main" xmlns="" w="9525">
+                <a14:hiddenLine xmlns="" xmlns:a16="http://schemas.microsoft.com/office/drawing/2014/main" xmlns:a14="http://schemas.microsoft.com/office/drawing/2010/main" xmlns:p14="http://schemas.microsoft.com/office/powerpoint/2010/main" w="9525">
                   <a:solidFill>
                     <a:srgbClr val="000000"/>
                   </a:solidFill>
@@ -30718,7 +30728,7 @@
             </a:ln>
             <a:extLst>
               <a:ext uri="{91240B29-F687-4f45-9708-019B960494DF}">
-                <a14:hiddenLine xmlns:p14="http://schemas.microsoft.com/office/powerpoint/2010/main" xmlns:a14="http://schemas.microsoft.com/office/drawing/2010/main" xmlns:a16="http://schemas.microsoft.com/office/drawing/2014/main" xmlns="" w="9525">
+                <a14:hiddenLine xmlns="" xmlns:a16="http://schemas.microsoft.com/office/drawing/2014/main" xmlns:a14="http://schemas.microsoft.com/office/drawing/2010/main" xmlns:p14="http://schemas.microsoft.com/office/powerpoint/2010/main" w="9525">
                   <a:solidFill>
                     <a:srgbClr val="000000"/>
                   </a:solidFill>
@@ -30823,7 +30833,7 @@
             </a:ln>
             <a:extLst>
               <a:ext uri="{91240B29-F687-4f45-9708-019B960494DF}">
-                <a14:hiddenLine xmlns:p14="http://schemas.microsoft.com/office/powerpoint/2010/main" xmlns:a14="http://schemas.microsoft.com/office/drawing/2010/main" xmlns:a16="http://schemas.microsoft.com/office/drawing/2014/main" xmlns="" w="9525">
+                <a14:hiddenLine xmlns="" xmlns:a16="http://schemas.microsoft.com/office/drawing/2014/main" xmlns:a14="http://schemas.microsoft.com/office/drawing/2010/main" xmlns:p14="http://schemas.microsoft.com/office/powerpoint/2010/main" w="9525">
                   <a:solidFill>
                     <a:srgbClr val="000000"/>
                   </a:solidFill>
@@ -30894,7 +30904,7 @@
             </a:ln>
             <a:extLst>
               <a:ext uri="{91240B29-F687-4f45-9708-019B960494DF}">
-                <a14:hiddenLine xmlns:p14="http://schemas.microsoft.com/office/powerpoint/2010/main" xmlns:a14="http://schemas.microsoft.com/office/drawing/2010/main" xmlns:a16="http://schemas.microsoft.com/office/drawing/2014/main" xmlns="" w="9525">
+                <a14:hiddenLine xmlns="" xmlns:a16="http://schemas.microsoft.com/office/drawing/2014/main" xmlns:a14="http://schemas.microsoft.com/office/drawing/2010/main" xmlns:p14="http://schemas.microsoft.com/office/powerpoint/2010/main" w="9525">
                   <a:solidFill>
                     <a:srgbClr val="000000"/>
                   </a:solidFill>
@@ -30999,7 +31009,7 @@
             </a:ln>
             <a:extLst>
               <a:ext uri="{91240B29-F687-4f45-9708-019B960494DF}">
-                <a14:hiddenLine xmlns:p14="http://schemas.microsoft.com/office/powerpoint/2010/main" xmlns:a14="http://schemas.microsoft.com/office/drawing/2010/main" xmlns:a16="http://schemas.microsoft.com/office/drawing/2014/main" xmlns="" w="9525">
+                <a14:hiddenLine xmlns="" xmlns:a16="http://schemas.microsoft.com/office/drawing/2014/main" xmlns:a14="http://schemas.microsoft.com/office/drawing/2010/main" xmlns:p14="http://schemas.microsoft.com/office/powerpoint/2010/main" w="9525">
                   <a:solidFill>
                     <a:srgbClr val="000000"/>
                   </a:solidFill>
@@ -31070,7 +31080,7 @@
             </a:ln>
             <a:extLst>
               <a:ext uri="{91240B29-F687-4f45-9708-019B960494DF}">
-                <a14:hiddenLine xmlns:p14="http://schemas.microsoft.com/office/powerpoint/2010/main" xmlns:a14="http://schemas.microsoft.com/office/drawing/2010/main" xmlns:a16="http://schemas.microsoft.com/office/drawing/2014/main" xmlns="" w="9525">
+                <a14:hiddenLine xmlns="" xmlns:a16="http://schemas.microsoft.com/office/drawing/2014/main" xmlns:a14="http://schemas.microsoft.com/office/drawing/2010/main" xmlns:p14="http://schemas.microsoft.com/office/powerpoint/2010/main" w="9525">
                   <a:solidFill>
                     <a:srgbClr val="000000"/>
                   </a:solidFill>
@@ -31175,7 +31185,7 @@
             </a:ln>
             <a:extLst>
               <a:ext uri="{91240B29-F687-4f45-9708-019B960494DF}">
-                <a14:hiddenLine xmlns:p14="http://schemas.microsoft.com/office/powerpoint/2010/main" xmlns:a14="http://schemas.microsoft.com/office/drawing/2010/main" xmlns:a16="http://schemas.microsoft.com/office/drawing/2014/main" xmlns="" w="9525">
+                <a14:hiddenLine xmlns="" xmlns:a16="http://schemas.microsoft.com/office/drawing/2014/main" xmlns:a14="http://schemas.microsoft.com/office/drawing/2010/main" xmlns:p14="http://schemas.microsoft.com/office/powerpoint/2010/main" w="9525">
                   <a:solidFill>
                     <a:srgbClr val="000000"/>
                   </a:solidFill>
@@ -31258,7 +31268,7 @@
             </a:ln>
             <a:extLst>
               <a:ext uri="{91240B29-F687-4f45-9708-019B960494DF}">
-                <a14:hiddenLine xmlns:p14="http://schemas.microsoft.com/office/powerpoint/2010/main" xmlns:a14="http://schemas.microsoft.com/office/drawing/2010/main" xmlns:a16="http://schemas.microsoft.com/office/drawing/2014/main" xmlns="" w="9525">
+                <a14:hiddenLine xmlns="" xmlns:a16="http://schemas.microsoft.com/office/drawing/2014/main" xmlns:a14="http://schemas.microsoft.com/office/drawing/2010/main" xmlns:p14="http://schemas.microsoft.com/office/powerpoint/2010/main" w="9525">
                   <a:solidFill>
                     <a:srgbClr val="000000"/>
                   </a:solidFill>
@@ -31363,7 +31373,7 @@
             </a:ln>
             <a:extLst>
               <a:ext uri="{91240B29-F687-4f45-9708-019B960494DF}">
-                <a14:hiddenLine xmlns:p14="http://schemas.microsoft.com/office/powerpoint/2010/main" xmlns:a14="http://schemas.microsoft.com/office/drawing/2010/main" xmlns:a16="http://schemas.microsoft.com/office/drawing/2014/main" xmlns="" w="9525">
+                <a14:hiddenLine xmlns="" xmlns:a16="http://schemas.microsoft.com/office/drawing/2014/main" xmlns:a14="http://schemas.microsoft.com/office/drawing/2010/main" xmlns:p14="http://schemas.microsoft.com/office/powerpoint/2010/main" w="9525">
                   <a:solidFill>
                     <a:srgbClr val="000000"/>
                   </a:solidFill>
@@ -31446,7 +31456,7 @@
             </a:ln>
             <a:extLst>
               <a:ext uri="{91240B29-F687-4f45-9708-019B960494DF}">
-                <a14:hiddenLine xmlns:p14="http://schemas.microsoft.com/office/powerpoint/2010/main" xmlns:a14="http://schemas.microsoft.com/office/drawing/2010/main" xmlns:a16="http://schemas.microsoft.com/office/drawing/2014/main" xmlns="" w="9525">
+                <a14:hiddenLine xmlns="" xmlns:a16="http://schemas.microsoft.com/office/drawing/2014/main" xmlns:a14="http://schemas.microsoft.com/office/drawing/2010/main" xmlns:p14="http://schemas.microsoft.com/office/powerpoint/2010/main" w="9525">
                   <a:solidFill>
                     <a:srgbClr val="000000"/>
                   </a:solidFill>
@@ -31551,7 +31561,7 @@
             </a:ln>
             <a:extLst>
               <a:ext uri="{91240B29-F687-4f45-9708-019B960494DF}">
-                <a14:hiddenLine xmlns:p14="http://schemas.microsoft.com/office/powerpoint/2010/main" xmlns:a14="http://schemas.microsoft.com/office/drawing/2010/main" xmlns:a16="http://schemas.microsoft.com/office/drawing/2014/main" xmlns="" w="9525">
+                <a14:hiddenLine xmlns="" xmlns:a16="http://schemas.microsoft.com/office/drawing/2014/main" xmlns:a14="http://schemas.microsoft.com/office/drawing/2010/main" xmlns:p14="http://schemas.microsoft.com/office/powerpoint/2010/main" w="9525">
                   <a:solidFill>
                     <a:srgbClr val="000000"/>
                   </a:solidFill>
@@ -31600,7 +31610,7 @@
             </a:ln>
             <a:extLst>
               <a:ext uri="{91240B29-F687-4f45-9708-019B960494DF}">
-                <a14:hiddenLine xmlns:p14="http://schemas.microsoft.com/office/powerpoint/2010/main" xmlns:a14="http://schemas.microsoft.com/office/drawing/2010/main" xmlns:a16="http://schemas.microsoft.com/office/drawing/2014/main" xmlns="" w="9525">
+                <a14:hiddenLine xmlns="" xmlns:a16="http://schemas.microsoft.com/office/drawing/2014/main" xmlns:a14="http://schemas.microsoft.com/office/drawing/2010/main" xmlns:p14="http://schemas.microsoft.com/office/powerpoint/2010/main" w="9525">
                   <a:solidFill>
                     <a:srgbClr val="000000"/>
                   </a:solidFill>
@@ -31705,7 +31715,7 @@
             </a:ln>
             <a:extLst>
               <a:ext uri="{91240B29-F687-4f45-9708-019B960494DF}">
-                <a14:hiddenLine xmlns:p14="http://schemas.microsoft.com/office/powerpoint/2010/main" xmlns:a14="http://schemas.microsoft.com/office/drawing/2010/main" xmlns:a16="http://schemas.microsoft.com/office/drawing/2014/main" xmlns="" w="9525">
+                <a14:hiddenLine xmlns="" xmlns:a16="http://schemas.microsoft.com/office/drawing/2014/main" xmlns:a14="http://schemas.microsoft.com/office/drawing/2010/main" xmlns:p14="http://schemas.microsoft.com/office/powerpoint/2010/main" w="9525">
                   <a:solidFill>
                     <a:srgbClr val="000000"/>
                   </a:solidFill>
@@ -31782,7 +31792,7 @@
             </a:ln>
             <a:extLst>
               <a:ext uri="{91240B29-F687-4f45-9708-019B960494DF}">
-                <a14:hiddenLine xmlns:p14="http://schemas.microsoft.com/office/powerpoint/2010/main" xmlns:a14="http://schemas.microsoft.com/office/drawing/2010/main" xmlns:a16="http://schemas.microsoft.com/office/drawing/2014/main" xmlns="" w="9525">
+                <a14:hiddenLine xmlns="" xmlns:a16="http://schemas.microsoft.com/office/drawing/2014/main" xmlns:a14="http://schemas.microsoft.com/office/drawing/2010/main" xmlns:p14="http://schemas.microsoft.com/office/powerpoint/2010/main" w="9525">
                   <a:solidFill>
                     <a:srgbClr val="000000"/>
                   </a:solidFill>
@@ -31859,7 +31869,7 @@
             </a:ln>
             <a:extLst>
               <a:ext uri="{91240B29-F687-4f45-9708-019B960494DF}">
-                <a14:hiddenLine xmlns:p14="http://schemas.microsoft.com/office/powerpoint/2010/main" xmlns:a14="http://schemas.microsoft.com/office/drawing/2010/main" xmlns:a16="http://schemas.microsoft.com/office/drawing/2014/main" xmlns="" w="9525">
+                <a14:hiddenLine xmlns="" xmlns:a16="http://schemas.microsoft.com/office/drawing/2014/main" xmlns:a14="http://schemas.microsoft.com/office/drawing/2010/main" xmlns:p14="http://schemas.microsoft.com/office/powerpoint/2010/main" w="9525">
                   <a:solidFill>
                     <a:srgbClr val="000000"/>
                   </a:solidFill>
@@ -31964,7 +31974,7 @@
             </a:ln>
             <a:extLst>
               <a:ext uri="{91240B29-F687-4f45-9708-019B960494DF}">
-                <a14:hiddenLine xmlns:p14="http://schemas.microsoft.com/office/powerpoint/2010/main" xmlns:a14="http://schemas.microsoft.com/office/drawing/2010/main" xmlns:a16="http://schemas.microsoft.com/office/drawing/2014/main" xmlns="" w="9525">
+                <a14:hiddenLine xmlns="" xmlns:a16="http://schemas.microsoft.com/office/drawing/2014/main" xmlns:a14="http://schemas.microsoft.com/office/drawing/2010/main" xmlns:p14="http://schemas.microsoft.com/office/powerpoint/2010/main" w="9525">
                   <a:solidFill>
                     <a:srgbClr val="000000"/>
                   </a:solidFill>
@@ -32047,7 +32057,7 @@
             </a:ln>
             <a:extLst>
               <a:ext uri="{91240B29-F687-4f45-9708-019B960494DF}">
-                <a14:hiddenLine xmlns:p14="http://schemas.microsoft.com/office/powerpoint/2010/main" xmlns:a14="http://schemas.microsoft.com/office/drawing/2010/main" xmlns:a16="http://schemas.microsoft.com/office/drawing/2014/main" xmlns="" w="9525">
+                <a14:hiddenLine xmlns="" xmlns:a16="http://schemas.microsoft.com/office/drawing/2014/main" xmlns:a14="http://schemas.microsoft.com/office/drawing/2010/main" xmlns:p14="http://schemas.microsoft.com/office/powerpoint/2010/main" w="9525">
                   <a:solidFill>
                     <a:srgbClr val="000000"/>
                   </a:solidFill>
@@ -32124,7 +32134,7 @@
             </a:ln>
             <a:extLst>
               <a:ext uri="{91240B29-F687-4f45-9708-019B960494DF}">
-                <a14:hiddenLine xmlns:p14="http://schemas.microsoft.com/office/powerpoint/2010/main" xmlns:a14="http://schemas.microsoft.com/office/drawing/2010/main" xmlns:a16="http://schemas.microsoft.com/office/drawing/2014/main" xmlns="" w="9525">
+                <a14:hiddenLine xmlns="" xmlns:a16="http://schemas.microsoft.com/office/drawing/2014/main" xmlns:a14="http://schemas.microsoft.com/office/drawing/2010/main" xmlns:p14="http://schemas.microsoft.com/office/powerpoint/2010/main" w="9525">
                   <a:solidFill>
                     <a:srgbClr val="000000"/>
                   </a:solidFill>
@@ -32229,7 +32239,7 @@
             </a:ln>
             <a:extLst>
               <a:ext uri="{91240B29-F687-4f45-9708-019B960494DF}">
-                <a14:hiddenLine xmlns:p14="http://schemas.microsoft.com/office/powerpoint/2010/main" xmlns:a14="http://schemas.microsoft.com/office/drawing/2010/main" xmlns:a16="http://schemas.microsoft.com/office/drawing/2014/main" xmlns="" w="9525">
+                <a14:hiddenLine xmlns="" xmlns:a16="http://schemas.microsoft.com/office/drawing/2014/main" xmlns:a14="http://schemas.microsoft.com/office/drawing/2010/main" xmlns:p14="http://schemas.microsoft.com/office/powerpoint/2010/main" w="9525">
                   <a:solidFill>
                     <a:srgbClr val="000000"/>
                   </a:solidFill>
@@ -32306,7 +32316,7 @@
             </a:ln>
             <a:extLst>
               <a:ext uri="{91240B29-F687-4f45-9708-019B960494DF}">
-                <a14:hiddenLine xmlns:p14="http://schemas.microsoft.com/office/powerpoint/2010/main" xmlns:a14="http://schemas.microsoft.com/office/drawing/2010/main" xmlns:a16="http://schemas.microsoft.com/office/drawing/2014/main" xmlns="" w="9525">
+                <a14:hiddenLine xmlns="" xmlns:a16="http://schemas.microsoft.com/office/drawing/2014/main" xmlns:a14="http://schemas.microsoft.com/office/drawing/2010/main" xmlns:p14="http://schemas.microsoft.com/office/powerpoint/2010/main" w="9525">
                   <a:solidFill>
                     <a:srgbClr val="000000"/>
                   </a:solidFill>
@@ -32411,7 +32421,7 @@
             </a:ln>
             <a:extLst>
               <a:ext uri="{91240B29-F687-4f45-9708-019B960494DF}">
-                <a14:hiddenLine xmlns:p14="http://schemas.microsoft.com/office/powerpoint/2010/main" xmlns:a14="http://schemas.microsoft.com/office/drawing/2010/main" xmlns:a16="http://schemas.microsoft.com/office/drawing/2014/main" xmlns="" w="9525">
+                <a14:hiddenLine xmlns="" xmlns:a16="http://schemas.microsoft.com/office/drawing/2014/main" xmlns:a14="http://schemas.microsoft.com/office/drawing/2010/main" xmlns:p14="http://schemas.microsoft.com/office/powerpoint/2010/main" w="9525">
                   <a:solidFill>
                     <a:srgbClr val="000000"/>
                   </a:solidFill>
@@ -32488,7 +32498,7 @@
             </a:ln>
             <a:extLst>
               <a:ext uri="{91240B29-F687-4f45-9708-019B960494DF}">
-                <a14:hiddenLine xmlns:p14="http://schemas.microsoft.com/office/powerpoint/2010/main" xmlns:a14="http://schemas.microsoft.com/office/drawing/2010/main" xmlns:a16="http://schemas.microsoft.com/office/drawing/2014/main" xmlns="" w="9525">
+                <a14:hiddenLine xmlns="" xmlns:a16="http://schemas.microsoft.com/office/drawing/2014/main" xmlns:a14="http://schemas.microsoft.com/office/drawing/2010/main" xmlns:p14="http://schemas.microsoft.com/office/powerpoint/2010/main" w="9525">
                   <a:solidFill>
                     <a:srgbClr val="000000"/>
                   </a:solidFill>
@@ -32593,7 +32603,7 @@
             </a:ln>
             <a:extLst>
               <a:ext uri="{91240B29-F687-4f45-9708-019B960494DF}">
-                <a14:hiddenLine xmlns:p14="http://schemas.microsoft.com/office/powerpoint/2010/main" xmlns:a14="http://schemas.microsoft.com/office/drawing/2010/main" xmlns:a16="http://schemas.microsoft.com/office/drawing/2014/main" xmlns="" w="9525">
+                <a14:hiddenLine xmlns="" xmlns:a16="http://schemas.microsoft.com/office/drawing/2014/main" xmlns:a14="http://schemas.microsoft.com/office/drawing/2010/main" xmlns:p14="http://schemas.microsoft.com/office/powerpoint/2010/main" w="9525">
                   <a:solidFill>
                     <a:srgbClr val="000000"/>
                   </a:solidFill>
@@ -32642,7 +32652,7 @@
             </a:ln>
             <a:extLst>
               <a:ext uri="{91240B29-F687-4f45-9708-019B960494DF}">
-                <a14:hiddenLine xmlns:p14="http://schemas.microsoft.com/office/powerpoint/2010/main" xmlns:a14="http://schemas.microsoft.com/office/drawing/2010/main" xmlns:a16="http://schemas.microsoft.com/office/drawing/2014/main" xmlns="" w="9525">
+                <a14:hiddenLine xmlns="" xmlns:a16="http://schemas.microsoft.com/office/drawing/2014/main" xmlns:a14="http://schemas.microsoft.com/office/drawing/2010/main" xmlns:p14="http://schemas.microsoft.com/office/powerpoint/2010/main" w="9525">
                   <a:solidFill>
                     <a:srgbClr val="000000"/>
                   </a:solidFill>
@@ -32722,7 +32732,7 @@
             </a:ln>
             <a:extLst>
               <a:ext uri="{91240B29-F687-4f45-9708-019B960494DF}">
-                <a14:hiddenLine xmlns:p14="http://schemas.microsoft.com/office/powerpoint/2010/main" xmlns:a14="http://schemas.microsoft.com/office/drawing/2010/main" xmlns:a16="http://schemas.microsoft.com/office/drawing/2014/main" xmlns="" w="9525">
+                <a14:hiddenLine xmlns="" xmlns:a16="http://schemas.microsoft.com/office/drawing/2014/main" xmlns:a14="http://schemas.microsoft.com/office/drawing/2010/main" xmlns:p14="http://schemas.microsoft.com/office/powerpoint/2010/main" w="9525">
                   <a:solidFill>
                     <a:srgbClr val="000000"/>
                   </a:solidFill>
@@ -32827,7 +32837,7 @@
             </a:ln>
             <a:extLst>
               <a:ext uri="{91240B29-F687-4f45-9708-019B960494DF}">
-                <a14:hiddenLine xmlns:p14="http://schemas.microsoft.com/office/powerpoint/2010/main" xmlns:a14="http://schemas.microsoft.com/office/drawing/2010/main" xmlns:a16="http://schemas.microsoft.com/office/drawing/2014/main" xmlns="" w="9525">
+                <a14:hiddenLine xmlns="" xmlns:a16="http://schemas.microsoft.com/office/drawing/2014/main" xmlns:a14="http://schemas.microsoft.com/office/drawing/2010/main" xmlns:p14="http://schemas.microsoft.com/office/powerpoint/2010/main" w="9525">
                   <a:solidFill>
                     <a:srgbClr val="000000"/>
                   </a:solidFill>
@@ -32904,7 +32914,7 @@
             </a:ln>
             <a:extLst>
               <a:ext uri="{91240B29-F687-4f45-9708-019B960494DF}">
-                <a14:hiddenLine xmlns:p14="http://schemas.microsoft.com/office/powerpoint/2010/main" xmlns:a14="http://schemas.microsoft.com/office/drawing/2010/main" xmlns:a16="http://schemas.microsoft.com/office/drawing/2014/main" xmlns="" w="9525">
+                <a14:hiddenLine xmlns="" xmlns:a16="http://schemas.microsoft.com/office/drawing/2014/main" xmlns:a14="http://schemas.microsoft.com/office/drawing/2010/main" xmlns:p14="http://schemas.microsoft.com/office/powerpoint/2010/main" w="9525">
                   <a:solidFill>
                     <a:srgbClr val="000000"/>
                   </a:solidFill>
@@ -33009,7 +33019,7 @@
             </a:ln>
             <a:extLst>
               <a:ext uri="{91240B29-F687-4f45-9708-019B960494DF}">
-                <a14:hiddenLine xmlns:p14="http://schemas.microsoft.com/office/powerpoint/2010/main" xmlns:a14="http://schemas.microsoft.com/office/drawing/2010/main" xmlns:a16="http://schemas.microsoft.com/office/drawing/2014/main" xmlns="" w="9525">
+                <a14:hiddenLine xmlns="" xmlns:a16="http://schemas.microsoft.com/office/drawing/2014/main" xmlns:a14="http://schemas.microsoft.com/office/drawing/2010/main" xmlns:p14="http://schemas.microsoft.com/office/powerpoint/2010/main" w="9525">
                   <a:solidFill>
                     <a:srgbClr val="000000"/>
                   </a:solidFill>
@@ -33114,7 +33124,7 @@
             </a:ln>
             <a:extLst>
               <a:ext uri="{91240B29-F687-4f45-9708-019B960494DF}">
-                <a14:hiddenLine xmlns:p14="http://schemas.microsoft.com/office/powerpoint/2010/main" xmlns:a14="http://schemas.microsoft.com/office/drawing/2010/main" xmlns:a16="http://schemas.microsoft.com/office/drawing/2014/main" xmlns="" w="9525">
+                <a14:hiddenLine xmlns="" xmlns:a16="http://schemas.microsoft.com/office/drawing/2014/main" xmlns:a14="http://schemas.microsoft.com/office/drawing/2010/main" xmlns:p14="http://schemas.microsoft.com/office/powerpoint/2010/main" w="9525">
                   <a:solidFill>
                     <a:srgbClr val="000000"/>
                   </a:solidFill>
@@ -33194,7 +33204,7 @@
             </a:ln>
             <a:extLst>
               <a:ext uri="{91240B29-F687-4f45-9708-019B960494DF}">
-                <a14:hiddenLine xmlns:p14="http://schemas.microsoft.com/office/powerpoint/2010/main" xmlns:a14="http://schemas.microsoft.com/office/drawing/2010/main" xmlns:a16="http://schemas.microsoft.com/office/drawing/2014/main" xmlns="" w="9525">
+                <a14:hiddenLine xmlns="" xmlns:a16="http://schemas.microsoft.com/office/drawing/2014/main" xmlns:a14="http://schemas.microsoft.com/office/drawing/2010/main" xmlns:p14="http://schemas.microsoft.com/office/powerpoint/2010/main" w="9525">
                   <a:solidFill>
                     <a:srgbClr val="000000"/>
                   </a:solidFill>
@@ -33271,7 +33281,7 @@
             </a:ln>
             <a:extLst>
               <a:ext uri="{91240B29-F687-4f45-9708-019B960494DF}">
-                <a14:hiddenLine xmlns:p14="http://schemas.microsoft.com/office/powerpoint/2010/main" xmlns:a14="http://schemas.microsoft.com/office/drawing/2010/main" xmlns:a16="http://schemas.microsoft.com/office/drawing/2014/main" xmlns="" w="9525">
+                <a14:hiddenLine xmlns="" xmlns:a16="http://schemas.microsoft.com/office/drawing/2014/main" xmlns:a14="http://schemas.microsoft.com/office/drawing/2010/main" xmlns:p14="http://schemas.microsoft.com/office/powerpoint/2010/main" w="9525">
                   <a:solidFill>
                     <a:srgbClr val="000000"/>
                   </a:solidFill>
@@ -33376,7 +33386,7 @@
             </a:ln>
             <a:extLst>
               <a:ext uri="{91240B29-F687-4f45-9708-019B960494DF}">
-                <a14:hiddenLine xmlns:p14="http://schemas.microsoft.com/office/powerpoint/2010/main" xmlns:a14="http://schemas.microsoft.com/office/drawing/2010/main" xmlns:a16="http://schemas.microsoft.com/office/drawing/2014/main" xmlns="" w="9525">
+                <a14:hiddenLine xmlns="" xmlns:a16="http://schemas.microsoft.com/office/drawing/2014/main" xmlns:a14="http://schemas.microsoft.com/office/drawing/2010/main" xmlns:p14="http://schemas.microsoft.com/office/powerpoint/2010/main" w="9525">
                   <a:solidFill>
                     <a:srgbClr val="000000"/>
                   </a:solidFill>
@@ -33481,7 +33491,7 @@
             </a:ln>
             <a:extLst>
               <a:ext uri="{91240B29-F687-4f45-9708-019B960494DF}">
-                <a14:hiddenLine xmlns:p14="http://schemas.microsoft.com/office/powerpoint/2010/main" xmlns:a14="http://schemas.microsoft.com/office/drawing/2010/main" xmlns:a16="http://schemas.microsoft.com/office/drawing/2014/main" xmlns="" w="9525">
+                <a14:hiddenLine xmlns="" xmlns:a16="http://schemas.microsoft.com/office/drawing/2014/main" xmlns:a14="http://schemas.microsoft.com/office/drawing/2010/main" xmlns:p14="http://schemas.microsoft.com/office/powerpoint/2010/main" w="9525">
                   <a:solidFill>
                     <a:srgbClr val="000000"/>
                   </a:solidFill>
@@ -33558,7 +33568,7 @@
             </a:ln>
             <a:extLst>
               <a:ext uri="{91240B29-F687-4f45-9708-019B960494DF}">
-                <a14:hiddenLine xmlns:p14="http://schemas.microsoft.com/office/powerpoint/2010/main" xmlns:a14="http://schemas.microsoft.com/office/drawing/2010/main" xmlns:a16="http://schemas.microsoft.com/office/drawing/2014/main" xmlns="" w="9525">
+                <a14:hiddenLine xmlns="" xmlns:a16="http://schemas.microsoft.com/office/drawing/2014/main" xmlns:a14="http://schemas.microsoft.com/office/drawing/2010/main" xmlns:p14="http://schemas.microsoft.com/office/powerpoint/2010/main" w="9525">
                   <a:solidFill>
                     <a:srgbClr val="000000"/>
                   </a:solidFill>
@@ -33693,7 +33703,7 @@
             </a:ln>
             <a:extLst>
               <a:ext uri="{91240B29-F687-4f45-9708-019B960494DF}">
-                <a14:hiddenLine xmlns:p14="http://schemas.microsoft.com/office/powerpoint/2010/main" xmlns:a14="http://schemas.microsoft.com/office/drawing/2010/main" xmlns:a16="http://schemas.microsoft.com/office/drawing/2014/main" xmlns="" w="9525">
+                <a14:hiddenLine xmlns="" xmlns:a16="http://schemas.microsoft.com/office/drawing/2014/main" xmlns:a14="http://schemas.microsoft.com/office/drawing/2010/main" xmlns:p14="http://schemas.microsoft.com/office/powerpoint/2010/main" w="9525">
                   <a:solidFill>
                     <a:srgbClr val="000000"/>
                   </a:solidFill>
@@ -33776,7 +33786,7 @@
             </a:ln>
             <a:extLst>
               <a:ext uri="{91240B29-F687-4f45-9708-019B960494DF}">
-                <a14:hiddenLine xmlns:p14="http://schemas.microsoft.com/office/powerpoint/2010/main" xmlns:a14="http://schemas.microsoft.com/office/drawing/2010/main" xmlns:a16="http://schemas.microsoft.com/office/drawing/2014/main" xmlns="" w="9525">
+                <a14:hiddenLine xmlns="" xmlns:a16="http://schemas.microsoft.com/office/drawing/2014/main" xmlns:a14="http://schemas.microsoft.com/office/drawing/2010/main" xmlns:p14="http://schemas.microsoft.com/office/powerpoint/2010/main" w="9525">
                   <a:solidFill>
                     <a:srgbClr val="000000"/>
                   </a:solidFill>
@@ -33881,7 +33891,7 @@
             </a:ln>
             <a:extLst>
               <a:ext uri="{91240B29-F687-4f45-9708-019B960494DF}">
-                <a14:hiddenLine xmlns:p14="http://schemas.microsoft.com/office/powerpoint/2010/main" xmlns:a14="http://schemas.microsoft.com/office/drawing/2010/main" xmlns:a16="http://schemas.microsoft.com/office/drawing/2014/main" xmlns="" w="9525">
+                <a14:hiddenLine xmlns="" xmlns:a16="http://schemas.microsoft.com/office/drawing/2014/main" xmlns:a14="http://schemas.microsoft.com/office/drawing/2010/main" xmlns:p14="http://schemas.microsoft.com/office/powerpoint/2010/main" w="9525">
                   <a:solidFill>
                     <a:srgbClr val="000000"/>
                   </a:solidFill>
@@ -35673,15 +35683,6 @@
 </file>
 
 <file path=customXml/item1.xml><?xml version="1.0" encoding="utf-8"?>
-<?mso-contentType ?>
-<FormTemplates xmlns="http://schemas.microsoft.com/sharepoint/v3/contenttype/forms">
-  <Display>DocumentLibraryForm</Display>
-  <Edit>DocumentLibraryForm</Edit>
-  <New>DocumentLibraryForm</New>
-</FormTemplates>
-</file>
-
-<file path=customXml/item2.xml><?xml version="1.0" encoding="utf-8"?>
 <ct:contentTypeSchema xmlns:ct="http://schemas.microsoft.com/office/2006/metadata/contentType" xmlns:ma="http://schemas.microsoft.com/office/2006/metadata/properties/metaAttributes" ct:_="" ma:_="" ma:contentTypeName="Document" ma:contentTypeID="0x01010079F111ED35F8CC479449609E8A0923A6" ma:contentTypeVersion="11" ma:contentTypeDescription="Create a new document." ma:contentTypeScope="" ma:versionID="9677210f24a1be23c92c90fd886aa0aa">
   <xsd:schema xmlns:xsd="http://www.w3.org/2001/XMLSchema" xmlns:xs="http://www.w3.org/2001/XMLSchema" xmlns:p="http://schemas.microsoft.com/office/2006/metadata/properties" xmlns:ns2="71af3243-3dd4-4a8d-8c0d-dd76da1f02a5" xmlns:ns3="16c05727-aa75-4e4a-9b5f-8a80a1165891" targetNamespace="http://schemas.microsoft.com/office/2006/metadata/properties" ma:root="true" ma:fieldsID="60e05723c5c1908df1a1a4ebf11d344e" ns2:_="" ns3:_="">
     <xsd:import namespace="71af3243-3dd4-4a8d-8c0d-dd76da1f02a5"/>
@@ -35892,6 +35893,15 @@
 </ct:contentTypeSchema>
 </file>
 
+<file path=customXml/item2.xml><?xml version="1.0" encoding="utf-8"?>
+<?mso-contentType ?>
+<FormTemplates xmlns="http://schemas.microsoft.com/sharepoint/v3/contenttype/forms">
+  <Display>DocumentLibraryForm</Display>
+  <Edit>DocumentLibraryForm</Edit>
+  <New>DocumentLibraryForm</New>
+</FormTemplates>
+</file>
+
 <file path=customXml/item3.xml><?xml version="1.0" encoding="utf-8"?>
 <p:properties xmlns:p="http://schemas.microsoft.com/office/2006/metadata/properties" xmlns:xsi="http://www.w3.org/2001/XMLSchema-instance" xmlns:pc="http://schemas.microsoft.com/office/infopath/2007/PartnerControls">
   <documentManagement>
@@ -35901,14 +35911,6 @@
 </file>
 
 <file path=customXml/itemProps1.xml><?xml version="1.0" encoding="utf-8"?>
-<ds:datastoreItem xmlns:ds="http://schemas.openxmlformats.org/officeDocument/2006/customXml" ds:itemID="{80B6055E-F2DC-412A-8B07-D3793807DA86}">
-  <ds:schemaRefs>
-    <ds:schemaRef ds:uri="http://schemas.microsoft.com/sharepoint/v3/contenttype/forms"/>
-  </ds:schemaRefs>
-</ds:datastoreItem>
-</file>
-
-<file path=customXml/itemProps2.xml><?xml version="1.0" encoding="utf-8"?>
 <ds:datastoreItem xmlns:ds="http://schemas.openxmlformats.org/officeDocument/2006/customXml" ds:itemID="{E1BF91BB-6045-4869-8145-5C20AAEE9ACC}">
   <ds:schemaRefs>
     <ds:schemaRef ds:uri="http://schemas.microsoft.com/office/2006/metadata/contentType"/>
@@ -35927,19 +35929,27 @@
 </ds:datastoreItem>
 </file>
 
+<file path=customXml/itemProps2.xml><?xml version="1.0" encoding="utf-8"?>
+<ds:datastoreItem xmlns:ds="http://schemas.openxmlformats.org/officeDocument/2006/customXml" ds:itemID="{80B6055E-F2DC-412A-8B07-D3793807DA86}">
+  <ds:schemaRefs>
+    <ds:schemaRef ds:uri="http://schemas.microsoft.com/sharepoint/v3/contenttype/forms"/>
+  </ds:schemaRefs>
+</ds:datastoreItem>
+</file>
+
 <file path=customXml/itemProps3.xml><?xml version="1.0" encoding="utf-8"?>
 <ds:datastoreItem xmlns:ds="http://schemas.openxmlformats.org/officeDocument/2006/customXml" ds:itemID="{0A938410-2173-430A-9B92-20257D39BD88}">
   <ds:schemaRefs>
-    <ds:schemaRef ds:uri="http://www.w3.org/XML/1998/namespace"/>
-    <ds:schemaRef ds:uri="http://schemas.microsoft.com/office/2006/metadata/properties"/>
     <ds:schemaRef ds:uri="http://schemas.microsoft.com/office/infopath/2007/PartnerControls"/>
-    <ds:schemaRef ds:uri="http://schemas.microsoft.com/office/2006/documentManagement/types"/>
-    <ds:schemaRef ds:uri="http://purl.org/dc/elements/1.1/"/>
-    <ds:schemaRef ds:uri="http://purl.org/dc/dcmitype/"/>
-    <ds:schemaRef ds:uri="71af3243-3dd4-4a8d-8c0d-dd76da1f02a5"/>
-    <ds:schemaRef ds:uri="http://schemas.openxmlformats.org/package/2006/metadata/core-properties"/>
     <ds:schemaRef ds:uri="16c05727-aa75-4e4a-9b5f-8a80a1165891"/>
     <ds:schemaRef ds:uri="http://purl.org/dc/terms/"/>
+    <ds:schemaRef ds:uri="http://schemas.microsoft.com/office/2006/metadata/properties"/>
+    <ds:schemaRef ds:uri="http://schemas.microsoft.com/office/2006/documentManagement/types"/>
+    <ds:schemaRef ds:uri="http://purl.org/dc/dcmitype/"/>
+    <ds:schemaRef ds:uri="http://purl.org/dc/elements/1.1/"/>
+    <ds:schemaRef ds:uri="http://schemas.openxmlformats.org/package/2006/metadata/core-properties"/>
+    <ds:schemaRef ds:uri="71af3243-3dd4-4a8d-8c0d-dd76da1f02a5"/>
+    <ds:schemaRef ds:uri="http://www.w3.org/XML/1998/namespace"/>
   </ds:schemaRefs>
 </ds:datastoreItem>
 </file>